--- a/ACS560 - SE Project Presentation.pptx
+++ b/ACS560 - SE Project Presentation.pptx
@@ -7,6 +7,15 @@
   <p:sldIdLst>
     <p:sldId id="256" r:id="rId2"/>
     <p:sldId id="257" r:id="rId3"/>
+    <p:sldId id="258" r:id="rId4"/>
+    <p:sldId id="259" r:id="rId5"/>
+    <p:sldId id="260" r:id="rId6"/>
+    <p:sldId id="262" r:id="rId7"/>
+    <p:sldId id="268" r:id="rId8"/>
+    <p:sldId id="265" r:id="rId9"/>
+    <p:sldId id="266" r:id="rId10"/>
+    <p:sldId id="263" r:id="rId11"/>
+    <p:sldId id="269" r:id="rId12"/>
   </p:sldIdLst>
   <p:sldSz cx="12192000" cy="6858000"/>
   <p:notesSz cx="6858000" cy="9144000"/>
@@ -116,6 +125,10 @@
 <file path=ppt/revisionInfo.xml><?xml version="1.0" encoding="utf-8"?>
 <p1510:revInfo xmlns:a="http://schemas.openxmlformats.org/drawingml/2006/main" xmlns:r="http://schemas.openxmlformats.org/officeDocument/2006/relationships" xmlns:p1510="http://schemas.microsoft.com/office/powerpoint/2015/10/main">
   <p1510:revLst>
+    <p1510:client id="{2EC2A9E5-9E12-7A4C-B22C-1BF417E013C7}" v="358" dt="2024-12-10T04:27:23.525"/>
+    <p1510:client id="{345E5339-D38F-106F-57F8-20BE9B312CF5}" v="209" dt="2024-12-10T04:42:58.086"/>
+    <p1510:client id="{9D13DB03-6CBD-FD7C-0019-DF2C2D8DADC2}" v="74" dt="2024-12-09T23:58:15.017"/>
+    <p1510:client id="{D302608D-9F83-79D5-3AA9-85FF3772253D}" v="200" dt="2024-12-10T04:26:03.228"/>
     <p1510:client id="{EF3B912B-7147-8927-6028-DF0D3A7904FA}" v="53" dt="2024-12-09T04:32:43.178"/>
   </p1510:revLst>
 </p1510:revInfo>
@@ -171,7 +184,7 @@
           </a:lstStyle>
           <a:p>
             <a:r>
-              <a:rPr lang="en-US" dirty="0"/>
+              <a:rPr lang="en-US"/>
               <a:t>Click to edit Master title style</a:t>
             </a:r>
           </a:p>
@@ -243,7 +256,7 @@
           </a:lstStyle>
           <a:p>
             <a:r>
-              <a:rPr lang="en-US" dirty="0"/>
+              <a:rPr lang="en-US"/>
               <a:t>Click to edit Master subtitle style</a:t>
             </a:r>
           </a:p>
@@ -272,7 +285,7 @@
           <a:p>
             <a:fld id="{1ECB5883-038C-4696-8E27-1811E470D6D4}" type="datetime1">
               <a:rPr lang="en-US" smtClean="0"/>
-              <a:t>12/8/2024</a:t>
+              <a:t>12/9/2024</a:t>
             </a:fld>
             <a:endParaRPr lang="en-US"/>
           </a:p>
@@ -473,7 +486,7 @@
           <a:p>
             <a:fld id="{61E8A6D4-154B-4E4D-9001-7A6C328D243E}" type="datetime1">
               <a:rPr lang="en-US" smtClean="0"/>
-              <a:t>12/8/2024</a:t>
+              <a:t>12/9/2024</a:t>
             </a:fld>
             <a:endParaRPr lang="en-US"/>
           </a:p>
@@ -684,7 +697,7 @@
           <a:p>
             <a:fld id="{EF880999-9BD6-4929-BDEC-B84E21C16701}" type="datetime1">
               <a:rPr lang="en-US" smtClean="0"/>
-              <a:t>12/8/2024</a:t>
+              <a:t>12/9/2024</a:t>
             </a:fld>
             <a:endParaRPr lang="en-US"/>
           </a:p>
@@ -885,7 +898,7 @@
           <a:p>
             <a:fld id="{579F6069-8263-4296-913A-BC2234E8D32B}" type="datetime1">
               <a:rPr lang="en-US" smtClean="0"/>
-              <a:t>12/8/2024</a:t>
+              <a:t>12/9/2024</a:t>
             </a:fld>
             <a:endParaRPr lang="en-US"/>
           </a:p>
@@ -1011,7 +1024,7 @@
           </a:lstStyle>
           <a:p>
             <a:r>
-              <a:rPr lang="en-US" dirty="0"/>
+              <a:rPr lang="en-US"/>
               <a:t>Click to edit Master title style</a:t>
             </a:r>
           </a:p>
@@ -1136,7 +1149,7 @@
           <a:p>
             <a:pPr lvl="0"/>
             <a:r>
-              <a:rPr lang="en-US" dirty="0"/>
+              <a:rPr lang="en-US"/>
               <a:t>Click to edit Master text styles</a:t>
             </a:r>
           </a:p>
@@ -1165,7 +1178,7 @@
           <a:p>
             <a:fld id="{BC9F5005-EC25-4FB9-B19B-2437F0B120D2}" type="datetime1">
               <a:rPr lang="en-US" smtClean="0"/>
-              <a:t>12/8/2024</a:t>
+              <a:t>12/9/2024</a:t>
             </a:fld>
             <a:endParaRPr lang="en-US"/>
           </a:p>
@@ -1433,7 +1446,7 @@
           <a:p>
             <a:fld id="{0B283B5C-2325-42FF-AF91-C1451D9D66CC}" type="datetime1">
               <a:rPr lang="en-US" smtClean="0"/>
-              <a:t>12/8/2024</a:t>
+              <a:t>12/9/2024</a:t>
             </a:fld>
             <a:endParaRPr lang="en-US"/>
           </a:p>
@@ -1553,7 +1566,7 @@
           <a:lstStyle/>
           <a:p>
             <a:r>
-              <a:rPr lang="en-US" dirty="0"/>
+              <a:rPr lang="en-US"/>
               <a:t>Click to edit Master title style</a:t>
             </a:r>
           </a:p>
@@ -1626,7 +1639,7 @@
           <a:p>
             <a:pPr lvl="0"/>
             <a:r>
-              <a:rPr lang="en-US" dirty="0"/>
+              <a:rPr lang="en-US"/>
               <a:t>Click to edit Master text styles</a:t>
             </a:r>
           </a:p>
@@ -1795,35 +1808,35 @@
           <a:p>
             <a:pPr lvl="0"/>
             <a:r>
-              <a:rPr lang="en-US" dirty="0"/>
+              <a:rPr lang="en-US"/>
               <a:t>Click to edit Master text styles</a:t>
             </a:r>
           </a:p>
           <a:p>
             <a:pPr lvl="1"/>
             <a:r>
-              <a:rPr lang="en-US" dirty="0"/>
+              <a:rPr lang="en-US"/>
               <a:t>Second level</a:t>
             </a:r>
           </a:p>
           <a:p>
             <a:pPr lvl="2"/>
             <a:r>
-              <a:rPr lang="en-US" dirty="0"/>
+              <a:rPr lang="en-US"/>
               <a:t>Third level</a:t>
             </a:r>
           </a:p>
           <a:p>
             <a:pPr lvl="3"/>
             <a:r>
-              <a:rPr lang="en-US" dirty="0"/>
+              <a:rPr lang="en-US"/>
               <a:t>Fourth level</a:t>
             </a:r>
           </a:p>
           <a:p>
             <a:pPr lvl="4"/>
             <a:r>
-              <a:rPr lang="en-US" dirty="0"/>
+              <a:rPr lang="en-US"/>
               <a:t>Fifth level</a:t>
             </a:r>
           </a:p>
@@ -1852,7 +1865,7 @@
           <a:p>
             <a:fld id="{0F88DB08-3B01-46DD-99F2-F6F6334EA669}" type="datetime1">
               <a:rPr lang="en-US" smtClean="0"/>
-              <a:t>12/8/2024</a:t>
+              <a:t>12/9/2024</a:t>
             </a:fld>
             <a:endParaRPr lang="en-US"/>
           </a:p>
@@ -1996,7 +2009,7 @@
           <a:p>
             <a:fld id="{5892AC11-ACC3-4129-BBD7-C580BF1A4EE7}" type="datetime1">
               <a:rPr lang="en-US" smtClean="0"/>
-              <a:t>12/8/2024</a:t>
+              <a:t>12/9/2024</a:t>
             </a:fld>
             <a:endParaRPr lang="en-US"/>
           </a:p>
@@ -2112,7 +2125,7 @@
           <a:p>
             <a:fld id="{6D80F7F3-E406-44E2-93AF-674B3F1A2E51}" type="datetime1">
               <a:rPr lang="en-US" smtClean="0"/>
-              <a:t>12/8/2024</a:t>
+              <a:t>12/9/2024</a:t>
             </a:fld>
             <a:endParaRPr lang="en-US"/>
           </a:p>
@@ -2238,7 +2251,7 @@
           </a:lstStyle>
           <a:p>
             <a:r>
-              <a:rPr lang="en-US" dirty="0"/>
+              <a:rPr lang="en-US"/>
               <a:t>Click to edit Master title style</a:t>
             </a:r>
           </a:p>
@@ -2302,35 +2315,35 @@
           <a:p>
             <a:pPr lvl="0"/>
             <a:r>
-              <a:rPr lang="en-US" dirty="0"/>
+              <a:rPr lang="en-US"/>
               <a:t>Click to edit Master text styles</a:t>
             </a:r>
           </a:p>
           <a:p>
             <a:pPr lvl="1"/>
             <a:r>
-              <a:rPr lang="en-US" dirty="0"/>
+              <a:rPr lang="en-US"/>
               <a:t>Second level</a:t>
             </a:r>
           </a:p>
           <a:p>
             <a:pPr lvl="2"/>
             <a:r>
-              <a:rPr lang="en-US" dirty="0"/>
+              <a:rPr lang="en-US"/>
               <a:t>Third level</a:t>
             </a:r>
           </a:p>
           <a:p>
             <a:pPr lvl="3"/>
             <a:r>
-              <a:rPr lang="en-US" dirty="0"/>
+              <a:rPr lang="en-US"/>
               <a:t>Fourth level</a:t>
             </a:r>
           </a:p>
           <a:p>
             <a:pPr lvl="4"/>
             <a:r>
-              <a:rPr lang="en-US" dirty="0"/>
+              <a:rPr lang="en-US"/>
               <a:t>Fifth level</a:t>
             </a:r>
           </a:p>
@@ -2430,7 +2443,7 @@
           <a:p>
             <a:fld id="{2FB1DD93-7C9D-4E53-81F0-DDE57FEA7EDB}" type="datetime1">
               <a:rPr lang="en-US" smtClean="0"/>
-              <a:t>12/8/2024</a:t>
+              <a:t>12/9/2024</a:t>
             </a:fld>
             <a:endParaRPr lang="en-US"/>
           </a:p>
@@ -2556,7 +2569,7 @@
           </a:lstStyle>
           <a:p>
             <a:r>
-              <a:rPr lang="en-US" dirty="0"/>
+              <a:rPr lang="en-US"/>
               <a:t>Click to edit Master title style</a:t>
             </a:r>
           </a:p>
@@ -2694,7 +2707,7 @@
           <a:p>
             <a:pPr lvl="0"/>
             <a:r>
-              <a:rPr lang="en-US" dirty="0"/>
+              <a:rPr lang="en-US"/>
               <a:t>Click to edit Master text styles</a:t>
             </a:r>
           </a:p>
@@ -2723,7 +2736,7 @@
           <a:p>
             <a:fld id="{3DF7BC28-59DE-4F83-B4A1-497203279FAD}" type="datetime1">
               <a:rPr lang="en-US" smtClean="0"/>
-              <a:t>12/8/2024</a:t>
+              <a:t>12/9/2024</a:t>
             </a:fld>
             <a:endParaRPr lang="en-US"/>
           </a:p>
@@ -2875,7 +2888,7 @@
           <a:lstStyle/>
           <a:p>
             <a:pPr algn="ctr"/>
-            <a:endParaRPr lang="en-US" dirty="0"/>
+            <a:endParaRPr lang="en-US"/>
           </a:p>
         </p:txBody>
       </p:sp>
@@ -2911,7 +2924,7 @@
           <a:lstStyle/>
           <a:p>
             <a:r>
-              <a:rPr lang="en-US" dirty="0"/>
+              <a:rPr lang="en-US"/>
               <a:t>Click to edit Master title style</a:t>
             </a:r>
           </a:p>
@@ -2950,35 +2963,35 @@
           <a:p>
             <a:pPr lvl="0"/>
             <a:r>
-              <a:rPr lang="en-US" dirty="0"/>
+              <a:rPr lang="en-US"/>
               <a:t>Click to edit Master text styles</a:t>
             </a:r>
           </a:p>
           <a:p>
             <a:pPr lvl="1"/>
             <a:r>
-              <a:rPr lang="en-US" dirty="0"/>
+              <a:rPr lang="en-US"/>
               <a:t>Second level</a:t>
             </a:r>
           </a:p>
           <a:p>
             <a:pPr lvl="2"/>
             <a:r>
-              <a:rPr lang="en-US" dirty="0"/>
+              <a:rPr lang="en-US"/>
               <a:t>Third level</a:t>
             </a:r>
           </a:p>
           <a:p>
             <a:pPr lvl="3"/>
             <a:r>
-              <a:rPr lang="en-US" dirty="0"/>
+              <a:rPr lang="en-US"/>
               <a:t>Fourth level</a:t>
             </a:r>
           </a:p>
           <a:p>
             <a:pPr lvl="4"/>
             <a:r>
-              <a:rPr lang="en-US" dirty="0"/>
+              <a:rPr lang="en-US"/>
               <a:t>Fifth level</a:t>
             </a:r>
           </a:p>
@@ -3023,9 +3036,9 @@
           <a:p>
             <a:fld id="{0BDC4764-F656-4735-9820-9886F8DF1D6A}" type="datetime1">
               <a:rPr lang="en-US" smtClean="0"/>
-              <a:t>12/8/2024</a:t>
+              <a:t>12/9/2024</a:t>
             </a:fld>
-            <a:endParaRPr lang="en-US" dirty="0"/>
+            <a:endParaRPr lang="en-US"/>
           </a:p>
         </p:txBody>
       </p:sp>
@@ -3070,7 +3083,6 @@
               <a:rPr lang="en-US"/>
               <a:t>Sample Footer Text</a:t>
             </a:r>
-            <a:endParaRPr lang="en-US" dirty="0"/>
           </a:p>
         </p:txBody>
       </p:sp>
@@ -3570,7 +3582,7 @@
           <a:lstStyle/>
           <a:p>
             <a:pPr algn="ctr"/>
-            <a:endParaRPr lang="en-US" dirty="0"/>
+            <a:endParaRPr lang="en-US"/>
           </a:p>
         </p:txBody>
       </p:sp>
@@ -3672,17 +3684,17 @@
               </a:spcBef>
             </a:pPr>
             <a:r>
-              <a:rPr lang="en-US" sz="7200" dirty="0"/>
+              <a:rPr lang="en-US" sz="7200"/>
               <a:t>DevTrack</a:t>
             </a:r>
             <a:br>
-              <a:rPr lang="en-US" sz="7200" dirty="0"/>
+              <a:rPr lang="en-US" sz="7200"/>
             </a:br>
             <a:r>
-              <a:rPr lang="en-US" sz="4000" dirty="0"/>
+              <a:rPr lang="en-US" sz="4000"/>
               <a:t>Project Management Tool</a:t>
             </a:r>
-            <a:endParaRPr lang="en-US" dirty="0"/>
+            <a:endParaRPr lang="en-US"/>
           </a:p>
         </p:txBody>
       </p:sp>
@@ -3708,7 +3720,7 @@
           </a:bodyPr>
           <a:lstStyle/>
           <a:p>
-            <a:endParaRPr lang="en-US" b="1" dirty="0">
+            <a:endParaRPr lang="en-US" b="1">
               <a:solidFill>
                 <a:srgbClr val="252424"/>
               </a:solidFill>
@@ -3719,7 +3731,7 @@
           </a:p>
           <a:p>
             <a:r>
-              <a:rPr lang="en-US" b="1" dirty="0">
+              <a:rPr lang="en-US" b="1">
                 <a:solidFill>
                   <a:srgbClr val="252424"/>
                 </a:solidFill>
@@ -3730,7 +3742,7 @@
               <a:t>Adithya </a:t>
             </a:r>
             <a:r>
-              <a:rPr lang="en-US" b="1" dirty="0" err="1">
+              <a:rPr lang="en-US" b="1" err="1">
                 <a:solidFill>
                   <a:srgbClr val="252424"/>
                 </a:solidFill>
@@ -3741,7 +3753,7 @@
               <a:t>Seesanabilu</a:t>
             </a:r>
             <a:r>
-              <a:rPr lang="en-US" b="1" dirty="0">
+              <a:rPr lang="en-US" b="1">
                 <a:solidFill>
                   <a:srgbClr val="252424"/>
                 </a:solidFill>
@@ -3752,7 +3764,7 @@
               <a:t> Nagaraj, </a:t>
             </a:r>
             <a:r>
-              <a:rPr lang="en-US" b="1" dirty="0">
+              <a:rPr lang="en-US" b="1">
                 <a:solidFill>
                   <a:srgbClr val="252424"/>
                 </a:solidFill>
@@ -3763,7 +3775,7 @@
               <a:t>Jahnavi </a:t>
             </a:r>
             <a:r>
-              <a:rPr lang="en-US" b="1" dirty="0" err="1">
+              <a:rPr lang="en-US" b="1" err="1">
                 <a:solidFill>
                   <a:srgbClr val="252424"/>
                 </a:solidFill>
@@ -3774,7 +3786,7 @@
               <a:t>Bollineni</a:t>
             </a:r>
             <a:r>
-              <a:rPr lang="en-US" b="1" dirty="0">
+              <a:rPr lang="en-US" b="1">
                 <a:solidFill>
                   <a:srgbClr val="252424"/>
                 </a:solidFill>
@@ -3785,7 +3797,7 @@
               <a:t>, </a:t>
             </a:r>
             <a:r>
-              <a:rPr lang="en-US" b="1" dirty="0">
+              <a:rPr lang="en-US" b="1">
                 <a:solidFill>
                   <a:srgbClr val="252424"/>
                 </a:solidFill>
@@ -3805,7 +3817,7 @@
             </a:endParaRPr>
           </a:p>
           <a:p>
-            <a:endParaRPr lang="en-US" dirty="0">
+            <a:endParaRPr lang="en-US">
               <a:solidFill>
                 <a:srgbClr val="35403A"/>
               </a:solidFill>
@@ -3881,6 +3893,324 @@
 </p:sld>
 </file>
 
+<file path=ppt/slides/slide10.xml><?xml version="1.0" encoding="utf-8"?>
+<p:sld xmlns:a="http://schemas.openxmlformats.org/drawingml/2006/main" xmlns:r="http://schemas.openxmlformats.org/officeDocument/2006/relationships" xmlns:p="http://schemas.openxmlformats.org/presentationml/2006/main">
+  <p:cSld>
+    <p:spTree>
+      <p:nvGrpSpPr>
+        <p:cNvPr id="1" name="">
+          <a:extLst>
+            <a:ext uri="{FF2B5EF4-FFF2-40B4-BE49-F238E27FC236}">
+              <a16:creationId xmlns:a16="http://schemas.microsoft.com/office/drawing/2014/main" id="{882084C2-4BC9-87A6-4EDB-BD0D41121A61}"/>
+            </a:ext>
+          </a:extLst>
+        </p:cNvPr>
+        <p:cNvGrpSpPr/>
+        <p:nvPr/>
+      </p:nvGrpSpPr>
+      <p:grpSpPr>
+        <a:xfrm>
+          <a:off x="0" y="0"/>
+          <a:ext cx="0" cy="0"/>
+          <a:chOff x="0" y="0"/>
+          <a:chExt cx="0" cy="0"/>
+        </a:xfrm>
+      </p:grpSpPr>
+      <p:sp>
+        <p:nvSpPr>
+          <p:cNvPr id="2" name="Title 1">
+            <a:extLst>
+              <a:ext uri="{FF2B5EF4-FFF2-40B4-BE49-F238E27FC236}">
+                <a16:creationId xmlns:a16="http://schemas.microsoft.com/office/drawing/2014/main" id="{43BC8815-A222-1A2C-213D-08DF1F43D951}"/>
+              </a:ext>
+            </a:extLst>
+          </p:cNvPr>
+          <p:cNvSpPr>
+            <a:spLocks noGrp="1"/>
+          </p:cNvSpPr>
+          <p:nvPr>
+            <p:ph type="title"/>
+          </p:nvPr>
+        </p:nvSpPr>
+        <p:spPr>
+          <a:xfrm>
+            <a:off x="871108" y="3026228"/>
+            <a:ext cx="10449784" cy="710703"/>
+          </a:xfrm>
+        </p:spPr>
+        <p:txBody>
+          <a:bodyPr/>
+          <a:lstStyle/>
+          <a:p>
+            <a:pPr algn="ctr"/>
+            <a:r>
+              <a:rPr lang="en-US" sz="3200" b="0" i="0" u="none" strike="noStrike">
+                <a:solidFill>
+                  <a:srgbClr val="000000"/>
+                </a:solidFill>
+                <a:effectLst/>
+                <a:latin typeface="Times New Roman" panose="02020603050405020304" pitchFamily="18" charset="0"/>
+                <a:cs typeface="Times New Roman" panose="02020603050405020304" pitchFamily="18" charset="0"/>
+              </a:rPr>
+              <a:t>LIVE DEMO</a:t>
+            </a:r>
+            <a:r>
+              <a:rPr lang="en-US" sz="3200" b="0" i="0">
+                <a:solidFill>
+                  <a:srgbClr val="000000"/>
+                </a:solidFill>
+                <a:effectLst/>
+                <a:latin typeface="Times New Roman" panose="02020603050405020304" pitchFamily="18" charset="0"/>
+                <a:cs typeface="Times New Roman" panose="02020603050405020304" pitchFamily="18" charset="0"/>
+              </a:rPr>
+              <a:t>​</a:t>
+            </a:r>
+            <a:endParaRPr lang="en-US">
+              <a:latin typeface="Times New Roman" panose="02020603050405020304" pitchFamily="18" charset="0"/>
+              <a:cs typeface="Times New Roman" panose="02020603050405020304" pitchFamily="18" charset="0"/>
+            </a:endParaRPr>
+          </a:p>
+        </p:txBody>
+      </p:sp>
+      <p:sp>
+        <p:nvSpPr>
+          <p:cNvPr id="6" name="Slide Number Placeholder 5">
+            <a:extLst>
+              <a:ext uri="{FF2B5EF4-FFF2-40B4-BE49-F238E27FC236}">
+                <a16:creationId xmlns:a16="http://schemas.microsoft.com/office/drawing/2014/main" id="{E4B253CD-0B62-2320-37CA-D730EB04E1A9}"/>
+              </a:ext>
+            </a:extLst>
+          </p:cNvPr>
+          <p:cNvSpPr>
+            <a:spLocks noGrp="1"/>
+          </p:cNvSpPr>
+          <p:nvPr>
+            <p:ph type="sldNum" sz="quarter" idx="12"/>
+          </p:nvPr>
+        </p:nvSpPr>
+        <p:spPr/>
+        <p:txBody>
+          <a:bodyPr/>
+          <a:lstStyle/>
+          <a:p>
+            <a:fld id="{C68AC1EC-23E2-4F0E-A5A4-674EC8DB954E}" type="slidenum">
+              <a:rPr lang="en-US" smtClean="0"/>
+              <a:t>10</a:t>
+            </a:fld>
+            <a:endParaRPr lang="en-US"/>
+          </a:p>
+        </p:txBody>
+      </p:sp>
+    </p:spTree>
+    <p:extLst>
+      <p:ext uri="{BB962C8B-B14F-4D97-AF65-F5344CB8AC3E}">
+        <p14:creationId xmlns:p14="http://schemas.microsoft.com/office/powerpoint/2010/main" val="2845961095"/>
+      </p:ext>
+    </p:extLst>
+  </p:cSld>
+  <p:clrMapOvr>
+    <a:masterClrMapping/>
+  </p:clrMapOvr>
+</p:sld>
+</file>
+
+<file path=ppt/slides/slide11.xml><?xml version="1.0" encoding="utf-8"?>
+<p:sld xmlns:a="http://schemas.openxmlformats.org/drawingml/2006/main" xmlns:r="http://schemas.openxmlformats.org/officeDocument/2006/relationships" xmlns:p="http://schemas.openxmlformats.org/presentationml/2006/main">
+  <p:cSld>
+    <p:spTree>
+      <p:nvGrpSpPr>
+        <p:cNvPr id="1" name=""/>
+        <p:cNvGrpSpPr/>
+        <p:nvPr/>
+      </p:nvGrpSpPr>
+      <p:grpSpPr>
+        <a:xfrm>
+          <a:off x="0" y="0"/>
+          <a:ext cx="0" cy="0"/>
+          <a:chOff x="0" y="0"/>
+          <a:chExt cx="0" cy="0"/>
+        </a:xfrm>
+      </p:grpSpPr>
+      <p:sp>
+        <p:nvSpPr>
+          <p:cNvPr id="3" name="Content Placeholder 2">
+            <a:extLst>
+              <a:ext uri="{FF2B5EF4-FFF2-40B4-BE49-F238E27FC236}">
+                <a16:creationId xmlns:a16="http://schemas.microsoft.com/office/drawing/2014/main" id="{619F3CF3-67C4-544D-EC49-89A00FBB7A82}"/>
+              </a:ext>
+            </a:extLst>
+          </p:cNvPr>
+          <p:cNvSpPr>
+            <a:spLocks noGrp="1"/>
+          </p:cNvSpPr>
+          <p:nvPr>
+            <p:ph type="ctrTitle"/>
+          </p:nvPr>
+        </p:nvSpPr>
+        <p:spPr>
+          <a:xfrm>
+            <a:off x="1524000" y="1122363"/>
+            <a:ext cx="9144000" cy="2209393"/>
+          </a:xfrm>
+        </p:spPr>
+        <p:txBody>
+          <a:bodyPr vert="horz" lIns="91440" tIns="45720" rIns="91440" bIns="45720" rtlCol="0" anchor="b">
+            <a:normAutofit/>
+          </a:bodyPr>
+          <a:lstStyle/>
+          <a:p>
+            <a:r>
+              <a:rPr lang="en-US"/>
+              <a:t>Thank You</a:t>
+            </a:r>
+          </a:p>
+        </p:txBody>
+      </p:sp>
+      <p:sp>
+        <p:nvSpPr>
+          <p:cNvPr id="4" name="Date Placeholder 3">
+            <a:extLst>
+              <a:ext uri="{FF2B5EF4-FFF2-40B4-BE49-F238E27FC236}">
+                <a16:creationId xmlns:a16="http://schemas.microsoft.com/office/drawing/2014/main" id="{CDB0001E-E27F-5376-7BE1-EBAC14A9DA2B}"/>
+              </a:ext>
+            </a:extLst>
+          </p:cNvPr>
+          <p:cNvSpPr>
+            <a:spLocks noGrp="1"/>
+          </p:cNvSpPr>
+          <p:nvPr>
+            <p:ph type="dt" sz="half" idx="10"/>
+          </p:nvPr>
+        </p:nvSpPr>
+        <p:spPr>
+          <a:xfrm>
+            <a:off x="877824" y="6356350"/>
+            <a:ext cx="2743200" cy="365125"/>
+          </a:xfrm>
+        </p:spPr>
+        <p:txBody>
+          <a:bodyPr anchor="ctr">
+            <a:normAutofit/>
+          </a:bodyPr>
+          <a:lstStyle/>
+          <a:p>
+            <a:pPr>
+              <a:spcAft>
+                <a:spcPts val="600"/>
+              </a:spcAft>
+            </a:pPr>
+            <a:fld id="{579F6069-8263-4296-913A-BC2234E8D32B}" type="datetime1">
+              <a:rPr lang="en-US" smtClean="0"/>
+              <a:pPr>
+                <a:spcAft>
+                  <a:spcPts val="600"/>
+                </a:spcAft>
+              </a:pPr>
+              <a:t>12/9/2024</a:t>
+            </a:fld>
+            <a:endParaRPr lang="en-US"/>
+          </a:p>
+        </p:txBody>
+      </p:sp>
+      <p:sp>
+        <p:nvSpPr>
+          <p:cNvPr id="5" name="Footer Placeholder 4">
+            <a:extLst>
+              <a:ext uri="{FF2B5EF4-FFF2-40B4-BE49-F238E27FC236}">
+                <a16:creationId xmlns:a16="http://schemas.microsoft.com/office/drawing/2014/main" id="{D268823F-352D-6A6E-E254-567A0AFD853F}"/>
+              </a:ext>
+            </a:extLst>
+          </p:cNvPr>
+          <p:cNvSpPr>
+            <a:spLocks noGrp="1"/>
+          </p:cNvSpPr>
+          <p:nvPr>
+            <p:ph type="ftr" sz="quarter" idx="11"/>
+          </p:nvPr>
+        </p:nvSpPr>
+        <p:spPr>
+          <a:xfrm>
+            <a:off x="7132320" y="6356350"/>
+            <a:ext cx="4297680" cy="365125"/>
+          </a:xfrm>
+        </p:spPr>
+        <p:txBody>
+          <a:bodyPr anchor="ctr">
+            <a:normAutofit/>
+          </a:bodyPr>
+          <a:lstStyle/>
+          <a:p>
+            <a:pPr>
+              <a:spcAft>
+                <a:spcPts val="600"/>
+              </a:spcAft>
+            </a:pPr>
+            <a:r>
+              <a:rPr lang="en-US"/>
+              <a:t>Sample Footer Text</a:t>
+            </a:r>
+          </a:p>
+        </p:txBody>
+      </p:sp>
+      <p:sp>
+        <p:nvSpPr>
+          <p:cNvPr id="6" name="Slide Number Placeholder 5">
+            <a:extLst>
+              <a:ext uri="{FF2B5EF4-FFF2-40B4-BE49-F238E27FC236}">
+                <a16:creationId xmlns:a16="http://schemas.microsoft.com/office/drawing/2014/main" id="{F474E2FB-CAC1-EE7E-6A87-D56DD52C7823}"/>
+              </a:ext>
+            </a:extLst>
+          </p:cNvPr>
+          <p:cNvSpPr>
+            <a:spLocks noGrp="1"/>
+          </p:cNvSpPr>
+          <p:nvPr>
+            <p:ph type="sldNum" sz="quarter" idx="12"/>
+          </p:nvPr>
+        </p:nvSpPr>
+        <p:spPr>
+          <a:xfrm>
+            <a:off x="11429999" y="6356350"/>
+            <a:ext cx="521207" cy="365125"/>
+          </a:xfrm>
+        </p:spPr>
+        <p:txBody>
+          <a:bodyPr anchor="ctr">
+            <a:normAutofit/>
+          </a:bodyPr>
+          <a:lstStyle/>
+          <a:p>
+            <a:pPr>
+              <a:spcAft>
+                <a:spcPts val="600"/>
+              </a:spcAft>
+            </a:pPr>
+            <a:fld id="{C68AC1EC-23E2-4F0E-A5A4-674EC8DB954E}" type="slidenum">
+              <a:rPr lang="en-US" smtClean="0"/>
+              <a:pPr>
+                <a:spcAft>
+                  <a:spcPts val="600"/>
+                </a:spcAft>
+              </a:pPr>
+              <a:t>11</a:t>
+            </a:fld>
+            <a:endParaRPr lang="en-US"/>
+          </a:p>
+        </p:txBody>
+      </p:sp>
+    </p:spTree>
+    <p:extLst>
+      <p:ext uri="{BB962C8B-B14F-4D97-AF65-F5344CB8AC3E}">
+        <p14:creationId xmlns:p14="http://schemas.microsoft.com/office/powerpoint/2010/main" val="2880640684"/>
+      </p:ext>
+    </p:extLst>
+  </p:cSld>
+  <p:clrMapOvr>
+    <a:masterClrMapping/>
+  </p:clrMapOvr>
+</p:sld>
+</file>
+
 <file path=ppt/slides/slide2.xml><?xml version="1.0" encoding="utf-8"?>
 <p:sld xmlns:a="http://schemas.openxmlformats.org/drawingml/2006/main" xmlns:r="http://schemas.openxmlformats.org/officeDocument/2006/relationships" xmlns:p="http://schemas.openxmlformats.org/presentationml/2006/main">
   <p:cSld>
@@ -3914,11 +4244,26 @@
             <p:ph type="title"/>
           </p:nvPr>
         </p:nvSpPr>
-        <p:spPr/>
-        <p:txBody>
-          <a:bodyPr/>
-          <a:lstStyle/>
-          <a:p>
+        <p:spPr>
+          <a:xfrm>
+            <a:off x="871108" y="229013"/>
+            <a:ext cx="10449784" cy="1265928"/>
+          </a:xfrm>
+        </p:spPr>
+        <p:txBody>
+          <a:bodyPr vert="horz" lIns="91440" tIns="45720" rIns="91440" bIns="45720" rtlCol="0" anchor="ctr">
+            <a:normAutofit/>
+          </a:bodyPr>
+          <a:lstStyle/>
+          <a:p>
+            <a:pPr algn="ctr"/>
+            <a:r>
+              <a:rPr lang="en-US">
+                <a:ea typeface="+mj-lt"/>
+                <a:cs typeface="+mj-lt"/>
+              </a:rPr>
+              <a:t>TABLE OF CONTENTS</a:t>
+            </a:r>
             <a:endParaRPr lang="en-US"/>
           </a:p>
         </p:txBody>
@@ -3939,69 +4284,140 @@
             <p:ph idx="1"/>
           </p:nvPr>
         </p:nvSpPr>
-        <p:spPr/>
-        <p:txBody>
-          <a:bodyPr/>
-          <a:lstStyle/>
-          <a:p>
+        <p:spPr>
+          <a:xfrm>
+            <a:off x="877824" y="1436908"/>
+            <a:ext cx="10442448" cy="4396289"/>
+          </a:xfrm>
+        </p:spPr>
+        <p:txBody>
+          <a:bodyPr vert="horz" lIns="91440" tIns="45720" rIns="91440" bIns="45720" rtlCol="0" anchor="t">
+            <a:noAutofit/>
+          </a:bodyPr>
+          <a:lstStyle/>
+          <a:p>
+            <a:pPr>
+              <a:lnSpc>
+                <a:spcPct val="150000"/>
+              </a:lnSpc>
+            </a:pPr>
+            <a:r>
+              <a:rPr lang="en-US" sz="1800">
+                <a:latin typeface="Times New Roman" panose="02020603050405020304" pitchFamily="18" charset="0"/>
+                <a:cs typeface="Times New Roman" panose="02020603050405020304" pitchFamily="18" charset="0"/>
+              </a:rPr>
+              <a:t>Introduction</a:t>
+            </a:r>
+          </a:p>
+          <a:p>
+            <a:pPr>
+              <a:lnSpc>
+                <a:spcPct val="150000"/>
+              </a:lnSpc>
+            </a:pPr>
+            <a:r>
+              <a:rPr lang="en-US" sz="1800">
+                <a:latin typeface="Times New Roman" panose="02020603050405020304" pitchFamily="18" charset="0"/>
+                <a:cs typeface="Times New Roman" panose="02020603050405020304" pitchFamily="18" charset="0"/>
+              </a:rPr>
+              <a:t>Problem Statement</a:t>
+            </a:r>
+          </a:p>
+          <a:p>
+            <a:pPr>
+              <a:lnSpc>
+                <a:spcPct val="150000"/>
+              </a:lnSpc>
+            </a:pPr>
+            <a:r>
+              <a:rPr lang="en-US" sz="1800">
+                <a:latin typeface="Times New Roman" panose="02020603050405020304" pitchFamily="18" charset="0"/>
+                <a:cs typeface="Times New Roman" panose="02020603050405020304" pitchFamily="18" charset="0"/>
+              </a:rPr>
+              <a:t>Technologies</a:t>
+            </a:r>
+          </a:p>
+          <a:p>
+            <a:pPr>
+              <a:lnSpc>
+                <a:spcPct val="150000"/>
+              </a:lnSpc>
+            </a:pPr>
+            <a:r>
+              <a:rPr lang="en-US" sz="1800">
+                <a:latin typeface="Times New Roman" panose="02020603050405020304" pitchFamily="18" charset="0"/>
+                <a:cs typeface="Times New Roman" panose="02020603050405020304" pitchFamily="18" charset="0"/>
+              </a:rPr>
+              <a:t>System Architecture</a:t>
+            </a:r>
+          </a:p>
+          <a:p>
+            <a:pPr>
+              <a:lnSpc>
+                <a:spcPct val="150000"/>
+              </a:lnSpc>
+            </a:pPr>
+            <a:r>
+              <a:rPr lang="en-US" sz="1800">
+                <a:latin typeface="Times New Roman" panose="02020603050405020304" pitchFamily="18" charset="0"/>
+                <a:cs typeface="Times New Roman" panose="02020603050405020304" pitchFamily="18" charset="0"/>
+              </a:rPr>
+              <a:t>Project Features and Functionality</a:t>
+            </a:r>
+          </a:p>
+          <a:p>
+            <a:pPr>
+              <a:lnSpc>
+                <a:spcPct val="150000"/>
+              </a:lnSpc>
+            </a:pPr>
+            <a:r>
+              <a:rPr lang="en-US" sz="1800">
+                <a:latin typeface="Times New Roman" panose="02020603050405020304" pitchFamily="18" charset="0"/>
+                <a:cs typeface="Times New Roman" panose="02020603050405020304" pitchFamily="18" charset="0"/>
+              </a:rPr>
+              <a:t>Implementation</a:t>
+            </a:r>
+          </a:p>
+          <a:p>
+            <a:pPr>
+              <a:lnSpc>
+                <a:spcPct val="150000"/>
+              </a:lnSpc>
+            </a:pPr>
+            <a:r>
+              <a:rPr lang="en-US" sz="1800">
+                <a:latin typeface="Times New Roman" panose="02020603050405020304" pitchFamily="18" charset="0"/>
+                <a:cs typeface="Times New Roman" panose="02020603050405020304" pitchFamily="18" charset="0"/>
+              </a:rPr>
+              <a:t>Demo</a:t>
+            </a:r>
+          </a:p>
+          <a:p>
+            <a:pPr>
+              <a:lnSpc>
+                <a:spcPct val="150000"/>
+              </a:lnSpc>
+            </a:pPr>
+            <a:r>
+              <a:rPr lang="en-US" sz="1800">
+                <a:latin typeface="Times New Roman" panose="02020603050405020304" pitchFamily="18" charset="0"/>
+                <a:cs typeface="Times New Roman" panose="02020603050405020304" pitchFamily="18" charset="0"/>
+              </a:rPr>
+              <a:t>Conclusion</a:t>
+            </a:r>
+          </a:p>
+          <a:p>
+            <a:pPr marL="0" indent="0">
+              <a:lnSpc>
+                <a:spcPct val="100000"/>
+              </a:lnSpc>
+              <a:buNone/>
+            </a:pPr>
+            <a:br>
+              <a:rPr lang="en-US"/>
+            </a:br>
             <a:endParaRPr lang="en-US"/>
-          </a:p>
-        </p:txBody>
-      </p:sp>
-      <p:sp>
-        <p:nvSpPr>
-          <p:cNvPr id="4" name="Date Placeholder 3">
-            <a:extLst>
-              <a:ext uri="{FF2B5EF4-FFF2-40B4-BE49-F238E27FC236}">
-                <a16:creationId xmlns:a16="http://schemas.microsoft.com/office/drawing/2014/main" id="{AC7007CD-6ABA-535C-0EDC-D468E4396B45}"/>
-              </a:ext>
-            </a:extLst>
-          </p:cNvPr>
-          <p:cNvSpPr>
-            <a:spLocks noGrp="1"/>
-          </p:cNvSpPr>
-          <p:nvPr>
-            <p:ph type="dt" sz="half" idx="10"/>
-          </p:nvPr>
-        </p:nvSpPr>
-        <p:spPr/>
-        <p:txBody>
-          <a:bodyPr/>
-          <a:lstStyle/>
-          <a:p>
-            <a:fld id="{579F6069-8263-4296-913A-BC2234E8D32B}" type="datetime1">
-              <a:rPr lang="en-US" smtClean="0"/>
-              <a:t>12/8/2024</a:t>
-            </a:fld>
-            <a:endParaRPr lang="en-US"/>
-          </a:p>
-        </p:txBody>
-      </p:sp>
-      <p:sp>
-        <p:nvSpPr>
-          <p:cNvPr id="5" name="Footer Placeholder 4">
-            <a:extLst>
-              <a:ext uri="{FF2B5EF4-FFF2-40B4-BE49-F238E27FC236}">
-                <a16:creationId xmlns:a16="http://schemas.microsoft.com/office/drawing/2014/main" id="{87586C6B-B852-6DFB-94E4-646F764B3CBE}"/>
-              </a:ext>
-            </a:extLst>
-          </p:cNvPr>
-          <p:cNvSpPr>
-            <a:spLocks noGrp="1"/>
-          </p:cNvSpPr>
-          <p:nvPr>
-            <p:ph type="ftr" sz="quarter" idx="11"/>
-          </p:nvPr>
-        </p:nvSpPr>
-        <p:spPr/>
-        <p:txBody>
-          <a:bodyPr/>
-          <a:lstStyle/>
-          <a:p>
-            <a:r>
-              <a:rPr lang="en-US"/>
-              <a:t>Sample Footer Text</a:t>
-            </a:r>
           </a:p>
         </p:txBody>
       </p:sp>
@@ -4038,6 +4454,1773 @@
     <p:extLst>
       <p:ext uri="{BB962C8B-B14F-4D97-AF65-F5344CB8AC3E}">
         <p14:creationId xmlns:p14="http://schemas.microsoft.com/office/powerpoint/2010/main" val="1143414109"/>
+      </p:ext>
+    </p:extLst>
+  </p:cSld>
+  <p:clrMapOvr>
+    <a:masterClrMapping/>
+  </p:clrMapOvr>
+</p:sld>
+</file>
+
+<file path=ppt/slides/slide3.xml><?xml version="1.0" encoding="utf-8"?>
+<p:sld xmlns:a="http://schemas.openxmlformats.org/drawingml/2006/main" xmlns:r="http://schemas.openxmlformats.org/officeDocument/2006/relationships" xmlns:p="http://schemas.openxmlformats.org/presentationml/2006/main">
+  <p:cSld>
+    <p:spTree>
+      <p:nvGrpSpPr>
+        <p:cNvPr id="1" name=""/>
+        <p:cNvGrpSpPr/>
+        <p:nvPr/>
+      </p:nvGrpSpPr>
+      <p:grpSpPr>
+        <a:xfrm>
+          <a:off x="0" y="0"/>
+          <a:ext cx="0" cy="0"/>
+          <a:chOff x="0" y="0"/>
+          <a:chExt cx="0" cy="0"/>
+        </a:xfrm>
+      </p:grpSpPr>
+      <p:sp>
+        <p:nvSpPr>
+          <p:cNvPr id="2" name="Title 1">
+            <a:extLst>
+              <a:ext uri="{FF2B5EF4-FFF2-40B4-BE49-F238E27FC236}">
+                <a16:creationId xmlns:a16="http://schemas.microsoft.com/office/drawing/2014/main" id="{2E4F3316-8959-B60F-697C-595971CDCB61}"/>
+              </a:ext>
+            </a:extLst>
+          </p:cNvPr>
+          <p:cNvSpPr>
+            <a:spLocks noGrp="1"/>
+          </p:cNvSpPr>
+          <p:nvPr>
+            <p:ph type="title"/>
+          </p:nvPr>
+        </p:nvSpPr>
+        <p:spPr>
+          <a:xfrm>
+            <a:off x="877824" y="163233"/>
+            <a:ext cx="10449784" cy="1265928"/>
+          </a:xfrm>
+        </p:spPr>
+        <p:txBody>
+          <a:bodyPr anchor="ctr"/>
+          <a:lstStyle/>
+          <a:p>
+            <a:pPr algn="ctr"/>
+            <a:r>
+              <a:rPr lang="en-US"/>
+              <a:t>INTRODUCTION</a:t>
+            </a:r>
+          </a:p>
+        </p:txBody>
+      </p:sp>
+      <p:sp>
+        <p:nvSpPr>
+          <p:cNvPr id="3" name="Content Placeholder 2">
+            <a:extLst>
+              <a:ext uri="{FF2B5EF4-FFF2-40B4-BE49-F238E27FC236}">
+                <a16:creationId xmlns:a16="http://schemas.microsoft.com/office/drawing/2014/main" id="{0CB1D5CF-A1C0-CFC6-F47F-7CB25C6B2081}"/>
+              </a:ext>
+            </a:extLst>
+          </p:cNvPr>
+          <p:cNvSpPr>
+            <a:spLocks noGrp="1"/>
+          </p:cNvSpPr>
+          <p:nvPr>
+            <p:ph idx="1"/>
+          </p:nvPr>
+        </p:nvSpPr>
+        <p:spPr>
+          <a:xfrm>
+            <a:off x="877824" y="1429162"/>
+            <a:ext cx="10442448" cy="4632642"/>
+          </a:xfrm>
+        </p:spPr>
+        <p:txBody>
+          <a:bodyPr anchor="ctr"/>
+          <a:lstStyle/>
+          <a:p>
+            <a:pPr>
+              <a:buFont typeface="Arial" panose="020B0604020202020204" pitchFamily="34" charset="0"/>
+              <a:buChar char="•"/>
+            </a:pPr>
+            <a:r>
+              <a:rPr lang="en-US" b="1">
+                <a:latin typeface="Times New Roman" panose="02020603050405020304" pitchFamily="18" charset="0"/>
+                <a:cs typeface="Times New Roman" panose="02020603050405020304" pitchFamily="18" charset="0"/>
+              </a:rPr>
+              <a:t>What is </a:t>
+            </a:r>
+            <a:r>
+              <a:rPr lang="en-US" b="1" err="1">
+                <a:latin typeface="Times New Roman" panose="02020603050405020304" pitchFamily="18" charset="0"/>
+                <a:cs typeface="Times New Roman" panose="02020603050405020304" pitchFamily="18" charset="0"/>
+              </a:rPr>
+              <a:t>DevTrack</a:t>
+            </a:r>
+            <a:r>
+              <a:rPr lang="en-US" b="1">
+                <a:latin typeface="Times New Roman" panose="02020603050405020304" pitchFamily="18" charset="0"/>
+                <a:cs typeface="Times New Roman" panose="02020603050405020304" pitchFamily="18" charset="0"/>
+              </a:rPr>
+              <a:t>?</a:t>
+            </a:r>
+          </a:p>
+          <a:p>
+            <a:pPr>
+              <a:buFont typeface="Arial" panose="020B0604020202020204" pitchFamily="34" charset="0"/>
+              <a:buChar char="•"/>
+            </a:pPr>
+            <a:r>
+              <a:rPr lang="en-US">
+                <a:latin typeface="Times New Roman" panose="02020603050405020304" pitchFamily="18" charset="0"/>
+                <a:cs typeface="Times New Roman" panose="02020603050405020304" pitchFamily="18" charset="0"/>
+              </a:rPr>
+              <a:t>A web-based project management tool.</a:t>
+            </a:r>
+          </a:p>
+          <a:p>
+            <a:pPr>
+              <a:buFont typeface="Arial" panose="020B0604020202020204" pitchFamily="34" charset="0"/>
+              <a:buChar char="•"/>
+            </a:pPr>
+            <a:r>
+              <a:rPr lang="en-US">
+                <a:latin typeface="Times New Roman" panose="02020603050405020304" pitchFamily="18" charset="0"/>
+                <a:cs typeface="Times New Roman" panose="02020603050405020304" pitchFamily="18" charset="0"/>
+              </a:rPr>
+              <a:t>Designed for streamlined workflows and efficient team collaboration.</a:t>
+            </a:r>
+          </a:p>
+          <a:p>
+            <a:pPr marL="0" indent="0">
+              <a:buNone/>
+            </a:pPr>
+            <a:endParaRPr lang="en-US">
+              <a:latin typeface="Times New Roman" panose="02020603050405020304" pitchFamily="18" charset="0"/>
+              <a:cs typeface="Times New Roman" panose="02020603050405020304" pitchFamily="18" charset="0"/>
+            </a:endParaRPr>
+          </a:p>
+          <a:p>
+            <a:pPr>
+              <a:buFont typeface="Arial" panose="020B0604020202020204" pitchFamily="34" charset="0"/>
+              <a:buChar char="•"/>
+            </a:pPr>
+            <a:r>
+              <a:rPr lang="en-US" b="1">
+                <a:latin typeface="Times New Roman" panose="02020603050405020304" pitchFamily="18" charset="0"/>
+                <a:cs typeface="Times New Roman" panose="02020603050405020304" pitchFamily="18" charset="0"/>
+              </a:rPr>
+              <a:t>Key Goals:</a:t>
+            </a:r>
+          </a:p>
+          <a:p>
+            <a:pPr>
+              <a:buFont typeface="Arial" panose="020B0604020202020204" pitchFamily="34" charset="0"/>
+              <a:buChar char="•"/>
+            </a:pPr>
+            <a:r>
+              <a:rPr lang="en-US">
+                <a:latin typeface="Times New Roman" panose="02020603050405020304" pitchFamily="18" charset="0"/>
+                <a:cs typeface="Times New Roman" panose="02020603050405020304" pitchFamily="18" charset="0"/>
+              </a:rPr>
+              <a:t>Centralized platform for project tracking.</a:t>
+            </a:r>
+          </a:p>
+          <a:p>
+            <a:pPr>
+              <a:buFont typeface="Arial" panose="020B0604020202020204" pitchFamily="34" charset="0"/>
+              <a:buChar char="•"/>
+            </a:pPr>
+            <a:r>
+              <a:rPr lang="en-US">
+                <a:latin typeface="Times New Roman" panose="02020603050405020304" pitchFamily="18" charset="0"/>
+                <a:cs typeface="Times New Roman" panose="02020603050405020304" pitchFamily="18" charset="0"/>
+              </a:rPr>
+              <a:t>Simplify task management and team accountability.</a:t>
+            </a:r>
+          </a:p>
+          <a:p>
+            <a:endParaRPr lang="en-US">
+              <a:latin typeface="Times New Roman" panose="02020603050405020304" pitchFamily="18" charset="0"/>
+              <a:cs typeface="Times New Roman" panose="02020603050405020304" pitchFamily="18" charset="0"/>
+            </a:endParaRPr>
+          </a:p>
+        </p:txBody>
+      </p:sp>
+      <p:sp>
+        <p:nvSpPr>
+          <p:cNvPr id="6" name="Slide Number Placeholder 5">
+            <a:extLst>
+              <a:ext uri="{FF2B5EF4-FFF2-40B4-BE49-F238E27FC236}">
+                <a16:creationId xmlns:a16="http://schemas.microsoft.com/office/drawing/2014/main" id="{C0DB9267-4D8D-6679-EEE7-1DD94C407625}"/>
+              </a:ext>
+            </a:extLst>
+          </p:cNvPr>
+          <p:cNvSpPr>
+            <a:spLocks noGrp="1"/>
+          </p:cNvSpPr>
+          <p:nvPr>
+            <p:ph type="sldNum" sz="quarter" idx="12"/>
+          </p:nvPr>
+        </p:nvSpPr>
+        <p:spPr/>
+        <p:txBody>
+          <a:bodyPr/>
+          <a:lstStyle/>
+          <a:p>
+            <a:fld id="{C68AC1EC-23E2-4F0E-A5A4-674EC8DB954E}" type="slidenum">
+              <a:rPr lang="en-US" smtClean="0"/>
+              <a:t>3</a:t>
+            </a:fld>
+            <a:endParaRPr lang="en-US"/>
+          </a:p>
+        </p:txBody>
+      </p:sp>
+    </p:spTree>
+    <p:extLst>
+      <p:ext uri="{BB962C8B-B14F-4D97-AF65-F5344CB8AC3E}">
+        <p14:creationId xmlns:p14="http://schemas.microsoft.com/office/powerpoint/2010/main" val="479516321"/>
+      </p:ext>
+    </p:extLst>
+  </p:cSld>
+  <p:clrMapOvr>
+    <a:masterClrMapping/>
+  </p:clrMapOvr>
+</p:sld>
+</file>
+
+<file path=ppt/slides/slide4.xml><?xml version="1.0" encoding="utf-8"?>
+<p:sld xmlns:a="http://schemas.openxmlformats.org/drawingml/2006/main" xmlns:r="http://schemas.openxmlformats.org/officeDocument/2006/relationships" xmlns:p="http://schemas.openxmlformats.org/presentationml/2006/main">
+  <p:cSld>
+    <p:spTree>
+      <p:nvGrpSpPr>
+        <p:cNvPr id="1" name="">
+          <a:extLst>
+            <a:ext uri="{FF2B5EF4-FFF2-40B4-BE49-F238E27FC236}">
+              <a16:creationId xmlns:a16="http://schemas.microsoft.com/office/drawing/2014/main" id="{3337EE66-93C6-425F-7206-75AEB26BD0C5}"/>
+            </a:ext>
+          </a:extLst>
+        </p:cNvPr>
+        <p:cNvGrpSpPr/>
+        <p:nvPr/>
+      </p:nvGrpSpPr>
+      <p:grpSpPr>
+        <a:xfrm>
+          <a:off x="0" y="0"/>
+          <a:ext cx="0" cy="0"/>
+          <a:chOff x="0" y="0"/>
+          <a:chExt cx="0" cy="0"/>
+        </a:xfrm>
+      </p:grpSpPr>
+      <p:sp>
+        <p:nvSpPr>
+          <p:cNvPr id="2" name="Title 1">
+            <a:extLst>
+              <a:ext uri="{FF2B5EF4-FFF2-40B4-BE49-F238E27FC236}">
+                <a16:creationId xmlns:a16="http://schemas.microsoft.com/office/drawing/2014/main" id="{C4ED90AB-3C34-4D1F-1B2C-379D2D643306}"/>
+              </a:ext>
+            </a:extLst>
+          </p:cNvPr>
+          <p:cNvSpPr>
+            <a:spLocks noGrp="1"/>
+          </p:cNvSpPr>
+          <p:nvPr>
+            <p:ph type="title"/>
+          </p:nvPr>
+        </p:nvSpPr>
+        <p:spPr>
+          <a:xfrm>
+            <a:off x="877824" y="163233"/>
+            <a:ext cx="10449784" cy="1265928"/>
+          </a:xfrm>
+        </p:spPr>
+        <p:txBody>
+          <a:bodyPr anchor="ctr"/>
+          <a:lstStyle/>
+          <a:p>
+            <a:pPr algn="ctr">
+              <a:lnSpc>
+                <a:spcPct val="100000"/>
+              </a:lnSpc>
+            </a:pPr>
+            <a:r>
+              <a:rPr lang="en-US" sz="3200">
+                <a:latin typeface="Times New Roman"/>
+                <a:cs typeface="Times New Roman"/>
+              </a:rPr>
+              <a:t>PROBLEM STATEMENT</a:t>
+            </a:r>
+          </a:p>
+        </p:txBody>
+      </p:sp>
+      <p:sp>
+        <p:nvSpPr>
+          <p:cNvPr id="3" name="Content Placeholder 2">
+            <a:extLst>
+              <a:ext uri="{FF2B5EF4-FFF2-40B4-BE49-F238E27FC236}">
+                <a16:creationId xmlns:a16="http://schemas.microsoft.com/office/drawing/2014/main" id="{29C94E98-83C5-E7C4-FD30-DA53FEA19CA7}"/>
+              </a:ext>
+            </a:extLst>
+          </p:cNvPr>
+          <p:cNvSpPr>
+            <a:spLocks noGrp="1"/>
+          </p:cNvSpPr>
+          <p:nvPr>
+            <p:ph idx="1"/>
+          </p:nvPr>
+        </p:nvSpPr>
+        <p:spPr>
+          <a:xfrm>
+            <a:off x="877824" y="1429162"/>
+            <a:ext cx="10442448" cy="4632642"/>
+          </a:xfrm>
+        </p:spPr>
+        <p:txBody>
+          <a:bodyPr anchor="ctr"/>
+          <a:lstStyle/>
+          <a:p>
+            <a:pPr>
+              <a:buFont typeface="Arial" panose="020B0604020202020204" pitchFamily="34" charset="0"/>
+              <a:buChar char="•"/>
+            </a:pPr>
+            <a:r>
+              <a:rPr lang="en-US" b="1">
+                <a:latin typeface="Times New Roman" panose="02020603050405020304" pitchFamily="18" charset="0"/>
+                <a:cs typeface="Times New Roman" panose="02020603050405020304" pitchFamily="18" charset="0"/>
+              </a:rPr>
+              <a:t>Challenges in Project Management:</a:t>
+            </a:r>
+          </a:p>
+          <a:p>
+            <a:pPr>
+              <a:buFont typeface="Arial" panose="020B0604020202020204" pitchFamily="34" charset="0"/>
+              <a:buChar char="•"/>
+            </a:pPr>
+            <a:r>
+              <a:rPr lang="en-US">
+                <a:latin typeface="Times New Roman" panose="02020603050405020304" pitchFamily="18" charset="0"/>
+                <a:cs typeface="Times New Roman" panose="02020603050405020304" pitchFamily="18" charset="0"/>
+              </a:rPr>
+              <a:t>Manual tracking is inefficient and prone to errors.</a:t>
+            </a:r>
+          </a:p>
+          <a:p>
+            <a:pPr>
+              <a:buFont typeface="Arial" panose="020B0604020202020204" pitchFamily="34" charset="0"/>
+              <a:buChar char="•"/>
+            </a:pPr>
+            <a:r>
+              <a:rPr lang="en-US">
+                <a:latin typeface="Times New Roman" panose="02020603050405020304" pitchFamily="18" charset="0"/>
+                <a:cs typeface="Times New Roman" panose="02020603050405020304" pitchFamily="18" charset="0"/>
+              </a:rPr>
+              <a:t>Use of multiple tools creates disjointed workflows.</a:t>
+            </a:r>
+          </a:p>
+          <a:p>
+            <a:pPr>
+              <a:buFont typeface="Arial" panose="020B0604020202020204" pitchFamily="34" charset="0"/>
+              <a:buChar char="•"/>
+            </a:pPr>
+            <a:r>
+              <a:rPr lang="en-US">
+                <a:latin typeface="Times New Roman" panose="02020603050405020304" pitchFamily="18" charset="0"/>
+                <a:cs typeface="Times New Roman" panose="02020603050405020304" pitchFamily="18" charset="0"/>
+              </a:rPr>
+              <a:t>Lack of real-time updates hampers decision-making.</a:t>
+            </a:r>
+          </a:p>
+          <a:p>
+            <a:pPr marL="0" indent="0">
+              <a:buNone/>
+            </a:pPr>
+            <a:endParaRPr lang="en-US">
+              <a:latin typeface="Times New Roman" panose="02020603050405020304" pitchFamily="18" charset="0"/>
+              <a:cs typeface="Times New Roman" panose="02020603050405020304" pitchFamily="18" charset="0"/>
+            </a:endParaRPr>
+          </a:p>
+          <a:p>
+            <a:pPr>
+              <a:buFont typeface="Arial" panose="020B0604020202020204" pitchFamily="34" charset="0"/>
+              <a:buChar char="•"/>
+            </a:pPr>
+            <a:r>
+              <a:rPr lang="en-US" b="1">
+                <a:latin typeface="Times New Roman" panose="02020603050405020304" pitchFamily="18" charset="0"/>
+                <a:cs typeface="Times New Roman" panose="02020603050405020304" pitchFamily="18" charset="0"/>
+              </a:rPr>
+              <a:t>Proposed Solution:</a:t>
+            </a:r>
+          </a:p>
+          <a:p>
+            <a:pPr>
+              <a:buFont typeface="Arial" panose="020B0604020202020204" pitchFamily="34" charset="0"/>
+              <a:buChar char="•"/>
+            </a:pPr>
+            <a:r>
+              <a:rPr lang="en-US">
+                <a:latin typeface="Times New Roman" panose="02020603050405020304" pitchFamily="18" charset="0"/>
+                <a:cs typeface="Times New Roman" panose="02020603050405020304" pitchFamily="18" charset="0"/>
+              </a:rPr>
+              <a:t>An integrated tool offering task management, progress tracking, and secure collaboration.</a:t>
+            </a:r>
+          </a:p>
+          <a:p>
+            <a:endParaRPr lang="en-US"/>
+          </a:p>
+        </p:txBody>
+      </p:sp>
+      <p:sp>
+        <p:nvSpPr>
+          <p:cNvPr id="6" name="Slide Number Placeholder 5">
+            <a:extLst>
+              <a:ext uri="{FF2B5EF4-FFF2-40B4-BE49-F238E27FC236}">
+                <a16:creationId xmlns:a16="http://schemas.microsoft.com/office/drawing/2014/main" id="{24F811DF-917F-BF37-9CD8-B26CA722B29D}"/>
+              </a:ext>
+            </a:extLst>
+          </p:cNvPr>
+          <p:cNvSpPr>
+            <a:spLocks noGrp="1"/>
+          </p:cNvSpPr>
+          <p:nvPr>
+            <p:ph type="sldNum" sz="quarter" idx="12"/>
+          </p:nvPr>
+        </p:nvSpPr>
+        <p:spPr/>
+        <p:txBody>
+          <a:bodyPr/>
+          <a:lstStyle/>
+          <a:p>
+            <a:fld id="{C68AC1EC-23E2-4F0E-A5A4-674EC8DB954E}" type="slidenum">
+              <a:rPr lang="en-US" smtClean="0"/>
+              <a:t>4</a:t>
+            </a:fld>
+            <a:endParaRPr lang="en-US"/>
+          </a:p>
+        </p:txBody>
+      </p:sp>
+    </p:spTree>
+    <p:extLst>
+      <p:ext uri="{BB962C8B-B14F-4D97-AF65-F5344CB8AC3E}">
+        <p14:creationId xmlns:p14="http://schemas.microsoft.com/office/powerpoint/2010/main" val="2645203183"/>
+      </p:ext>
+    </p:extLst>
+  </p:cSld>
+  <p:clrMapOvr>
+    <a:masterClrMapping/>
+  </p:clrMapOvr>
+</p:sld>
+</file>
+
+<file path=ppt/slides/slide5.xml><?xml version="1.0" encoding="utf-8"?>
+<p:sld xmlns:a="http://schemas.openxmlformats.org/drawingml/2006/main" xmlns:r="http://schemas.openxmlformats.org/officeDocument/2006/relationships" xmlns:p="http://schemas.openxmlformats.org/presentationml/2006/main">
+  <p:cSld>
+    <p:spTree>
+      <p:nvGrpSpPr>
+        <p:cNvPr id="1" name="">
+          <a:extLst>
+            <a:ext uri="{FF2B5EF4-FFF2-40B4-BE49-F238E27FC236}">
+              <a16:creationId xmlns:a16="http://schemas.microsoft.com/office/drawing/2014/main" id="{07C611B1-639F-8723-28BA-96C6E03721B7}"/>
+            </a:ext>
+          </a:extLst>
+        </p:cNvPr>
+        <p:cNvGrpSpPr/>
+        <p:nvPr/>
+      </p:nvGrpSpPr>
+      <p:grpSpPr>
+        <a:xfrm>
+          <a:off x="0" y="0"/>
+          <a:ext cx="0" cy="0"/>
+          <a:chOff x="0" y="0"/>
+          <a:chExt cx="0" cy="0"/>
+        </a:xfrm>
+      </p:grpSpPr>
+      <p:sp>
+        <p:nvSpPr>
+          <p:cNvPr id="2" name="Title 1">
+            <a:extLst>
+              <a:ext uri="{FF2B5EF4-FFF2-40B4-BE49-F238E27FC236}">
+                <a16:creationId xmlns:a16="http://schemas.microsoft.com/office/drawing/2014/main" id="{396BBCFD-39D2-E3B2-6384-0587E1D37C81}"/>
+              </a:ext>
+            </a:extLst>
+          </p:cNvPr>
+          <p:cNvSpPr>
+            <a:spLocks noGrp="1"/>
+          </p:cNvSpPr>
+          <p:nvPr>
+            <p:ph type="title"/>
+          </p:nvPr>
+        </p:nvSpPr>
+        <p:spPr>
+          <a:xfrm>
+            <a:off x="877824" y="163233"/>
+            <a:ext cx="10449784" cy="1265928"/>
+          </a:xfrm>
+        </p:spPr>
+        <p:txBody>
+          <a:bodyPr anchor="ctr"/>
+          <a:lstStyle/>
+          <a:p>
+            <a:pPr algn="ctr">
+              <a:lnSpc>
+                <a:spcPct val="100000"/>
+              </a:lnSpc>
+            </a:pPr>
+            <a:r>
+              <a:rPr lang="en-US" sz="3200">
+                <a:latin typeface="Times New Roman"/>
+                <a:cs typeface="Times New Roman"/>
+              </a:rPr>
+              <a:t>TECHNOLOGIES</a:t>
+            </a:r>
+          </a:p>
+        </p:txBody>
+      </p:sp>
+      <p:sp>
+        <p:nvSpPr>
+          <p:cNvPr id="3" name="Content Placeholder 2">
+            <a:extLst>
+              <a:ext uri="{FF2B5EF4-FFF2-40B4-BE49-F238E27FC236}">
+                <a16:creationId xmlns:a16="http://schemas.microsoft.com/office/drawing/2014/main" id="{48B971E7-6D99-C4CD-D670-113F729322FF}"/>
+              </a:ext>
+            </a:extLst>
+          </p:cNvPr>
+          <p:cNvSpPr>
+            <a:spLocks noGrp="1"/>
+          </p:cNvSpPr>
+          <p:nvPr>
+            <p:ph idx="1"/>
+          </p:nvPr>
+        </p:nvSpPr>
+        <p:spPr>
+          <a:xfrm>
+            <a:off x="877824" y="1429162"/>
+            <a:ext cx="10442448" cy="4632642"/>
+          </a:xfrm>
+        </p:spPr>
+        <p:txBody>
+          <a:bodyPr vert="horz" lIns="91440" tIns="45720" rIns="91440" bIns="45720" rtlCol="0" anchor="t">
+            <a:normAutofit/>
+          </a:bodyPr>
+          <a:lstStyle/>
+          <a:p>
+            <a:pPr>
+              <a:buFont typeface="Arial" panose="020B0604020202020204" pitchFamily="34" charset="0"/>
+              <a:buChar char="•"/>
+            </a:pPr>
+            <a:r>
+              <a:rPr lang="en-US" sz="1800" b="1">
+                <a:latin typeface="Times New Roman" panose="02020603050405020304" pitchFamily="18" charset="0"/>
+                <a:cs typeface="Times New Roman" panose="02020603050405020304" pitchFamily="18" charset="0"/>
+              </a:rPr>
+              <a:t>Frontend:</a:t>
+            </a:r>
+          </a:p>
+          <a:p>
+            <a:pPr lvl="1"/>
+            <a:r>
+              <a:rPr lang="en-US" sz="1600">
+                <a:latin typeface="Times New Roman"/>
+                <a:cs typeface="Times New Roman"/>
+              </a:rPr>
+              <a:t>ReactJS for responsive UI.</a:t>
+            </a:r>
+          </a:p>
+          <a:p>
+            <a:pPr>
+              <a:buFont typeface="Arial" panose="020B0604020202020204" pitchFamily="34" charset="0"/>
+              <a:buChar char="•"/>
+            </a:pPr>
+            <a:r>
+              <a:rPr lang="en-US" sz="1800" b="1">
+                <a:latin typeface="Times New Roman" panose="02020603050405020304" pitchFamily="18" charset="0"/>
+                <a:cs typeface="Times New Roman" panose="02020603050405020304" pitchFamily="18" charset="0"/>
+              </a:rPr>
+              <a:t>Backend:</a:t>
+            </a:r>
+          </a:p>
+          <a:p>
+            <a:pPr lvl="1"/>
+            <a:r>
+              <a:rPr lang="en-US" sz="1600">
+                <a:latin typeface="Times New Roman"/>
+                <a:cs typeface="Times New Roman"/>
+              </a:rPr>
+              <a:t>Spring Boot for RESTful services.</a:t>
+            </a:r>
+          </a:p>
+          <a:p>
+            <a:pPr>
+              <a:buFont typeface="Arial" panose="020B0604020202020204" pitchFamily="34" charset="0"/>
+              <a:buChar char="•"/>
+            </a:pPr>
+            <a:r>
+              <a:rPr lang="en-US" sz="1800" b="1">
+                <a:latin typeface="Times New Roman" panose="02020603050405020304" pitchFamily="18" charset="0"/>
+                <a:cs typeface="Times New Roman" panose="02020603050405020304" pitchFamily="18" charset="0"/>
+              </a:rPr>
+              <a:t>Database:</a:t>
+            </a:r>
+          </a:p>
+          <a:p>
+            <a:pPr lvl="1"/>
+            <a:r>
+              <a:rPr lang="en-US" sz="1600">
+                <a:latin typeface="Times New Roman"/>
+                <a:cs typeface="Times New Roman"/>
+              </a:rPr>
+              <a:t>MySQL for relational data storage.</a:t>
+            </a:r>
+          </a:p>
+        </p:txBody>
+      </p:sp>
+      <p:sp>
+        <p:nvSpPr>
+          <p:cNvPr id="6" name="Slide Number Placeholder 5">
+            <a:extLst>
+              <a:ext uri="{FF2B5EF4-FFF2-40B4-BE49-F238E27FC236}">
+                <a16:creationId xmlns:a16="http://schemas.microsoft.com/office/drawing/2014/main" id="{E0B7AEC9-F7E3-E71E-587D-9B00FC40467B}"/>
+              </a:ext>
+            </a:extLst>
+          </p:cNvPr>
+          <p:cNvSpPr>
+            <a:spLocks noGrp="1"/>
+          </p:cNvSpPr>
+          <p:nvPr>
+            <p:ph type="sldNum" sz="quarter" idx="12"/>
+          </p:nvPr>
+        </p:nvSpPr>
+        <p:spPr/>
+        <p:txBody>
+          <a:bodyPr/>
+          <a:lstStyle/>
+          <a:p>
+            <a:fld id="{C68AC1EC-23E2-4F0E-A5A4-674EC8DB954E}" type="slidenum">
+              <a:rPr lang="en-US" smtClean="0"/>
+              <a:t>5</a:t>
+            </a:fld>
+            <a:endParaRPr lang="en-US"/>
+          </a:p>
+        </p:txBody>
+      </p:sp>
+    </p:spTree>
+    <p:extLst>
+      <p:ext uri="{BB962C8B-B14F-4D97-AF65-F5344CB8AC3E}">
+        <p14:creationId xmlns:p14="http://schemas.microsoft.com/office/powerpoint/2010/main" val="1204698711"/>
+      </p:ext>
+    </p:extLst>
+  </p:cSld>
+  <p:clrMapOvr>
+    <a:masterClrMapping/>
+  </p:clrMapOvr>
+</p:sld>
+</file>
+
+<file path=ppt/slides/slide6.xml><?xml version="1.0" encoding="utf-8"?>
+<p:sld xmlns:a="http://schemas.openxmlformats.org/drawingml/2006/main" xmlns:r="http://schemas.openxmlformats.org/officeDocument/2006/relationships" xmlns:p="http://schemas.openxmlformats.org/presentationml/2006/main">
+  <p:cSld>
+    <p:spTree>
+      <p:nvGrpSpPr>
+        <p:cNvPr id="1" name="">
+          <a:extLst>
+            <a:ext uri="{FF2B5EF4-FFF2-40B4-BE49-F238E27FC236}">
+              <a16:creationId xmlns:a16="http://schemas.microsoft.com/office/drawing/2014/main" id="{204B4370-890D-AA53-02B1-EC47D4A9FC45}"/>
+            </a:ext>
+          </a:extLst>
+        </p:cNvPr>
+        <p:cNvGrpSpPr/>
+        <p:nvPr/>
+      </p:nvGrpSpPr>
+      <p:grpSpPr>
+        <a:xfrm>
+          <a:off x="0" y="0"/>
+          <a:ext cx="0" cy="0"/>
+          <a:chOff x="0" y="0"/>
+          <a:chExt cx="0" cy="0"/>
+        </a:xfrm>
+      </p:grpSpPr>
+      <p:sp>
+        <p:nvSpPr>
+          <p:cNvPr id="2" name="Title 1">
+            <a:extLst>
+              <a:ext uri="{FF2B5EF4-FFF2-40B4-BE49-F238E27FC236}">
+                <a16:creationId xmlns:a16="http://schemas.microsoft.com/office/drawing/2014/main" id="{0DBB437B-A925-A9DD-C127-48535721905A}"/>
+              </a:ext>
+            </a:extLst>
+          </p:cNvPr>
+          <p:cNvSpPr>
+            <a:spLocks noGrp="1"/>
+          </p:cNvSpPr>
+          <p:nvPr>
+            <p:ph type="title"/>
+          </p:nvPr>
+        </p:nvSpPr>
+        <p:spPr>
+          <a:xfrm>
+            <a:off x="877824" y="163233"/>
+            <a:ext cx="10449784" cy="682587"/>
+          </a:xfrm>
+        </p:spPr>
+        <p:txBody>
+          <a:bodyPr anchor="ctr"/>
+          <a:lstStyle/>
+          <a:p>
+            <a:pPr algn="ctr">
+              <a:lnSpc>
+                <a:spcPct val="100000"/>
+              </a:lnSpc>
+            </a:pPr>
+            <a:r>
+              <a:rPr lang="en-US" sz="3200">
+                <a:latin typeface="Times New Roman"/>
+                <a:cs typeface="Times New Roman"/>
+              </a:rPr>
+              <a:t>IMPLEMENTATION</a:t>
+            </a:r>
+          </a:p>
+        </p:txBody>
+      </p:sp>
+      <p:sp>
+        <p:nvSpPr>
+          <p:cNvPr id="6" name="Slide Number Placeholder 5">
+            <a:extLst>
+              <a:ext uri="{FF2B5EF4-FFF2-40B4-BE49-F238E27FC236}">
+                <a16:creationId xmlns:a16="http://schemas.microsoft.com/office/drawing/2014/main" id="{4B61F610-85BA-E99A-5920-CE89032B478B}"/>
+              </a:ext>
+            </a:extLst>
+          </p:cNvPr>
+          <p:cNvSpPr>
+            <a:spLocks noGrp="1"/>
+          </p:cNvSpPr>
+          <p:nvPr>
+            <p:ph type="sldNum" sz="quarter" idx="12"/>
+          </p:nvPr>
+        </p:nvSpPr>
+        <p:spPr/>
+        <p:txBody>
+          <a:bodyPr/>
+          <a:lstStyle/>
+          <a:p>
+            <a:fld id="{C68AC1EC-23E2-4F0E-A5A4-674EC8DB954E}" type="slidenum">
+              <a:rPr lang="en-US" smtClean="0"/>
+              <a:t>6</a:t>
+            </a:fld>
+            <a:endParaRPr lang="en-US"/>
+          </a:p>
+        </p:txBody>
+      </p:sp>
+      <p:sp>
+        <p:nvSpPr>
+          <p:cNvPr id="5" name="TextBox 4">
+            <a:extLst>
+              <a:ext uri="{FF2B5EF4-FFF2-40B4-BE49-F238E27FC236}">
+                <a16:creationId xmlns:a16="http://schemas.microsoft.com/office/drawing/2014/main" id="{58E0B464-6681-20C6-2378-78422DBB8638}"/>
+              </a:ext>
+            </a:extLst>
+          </p:cNvPr>
+          <p:cNvSpPr txBox="1"/>
+          <p:nvPr/>
+        </p:nvSpPr>
+        <p:spPr>
+          <a:xfrm>
+            <a:off x="871728" y="1109912"/>
+            <a:ext cx="10901172" cy="4110741"/>
+          </a:xfrm>
+          <a:prstGeom prst="rect">
+            <a:avLst/>
+          </a:prstGeom>
+          <a:noFill/>
+        </p:spPr>
+        <p:txBody>
+          <a:bodyPr wrap="square" lIns="91440" tIns="45720" rIns="91440" bIns="45720" anchor="t">
+            <a:spAutoFit/>
+          </a:bodyPr>
+          <a:lstStyle/>
+          <a:p>
+            <a:pPr>
+              <a:lnSpc>
+                <a:spcPct val="150000"/>
+              </a:lnSpc>
+            </a:pPr>
+            <a:r>
+              <a:rPr lang="en-US" sz="1600" b="1">
+                <a:latin typeface="Times New Roman"/>
+                <a:ea typeface="+mn-lt"/>
+                <a:cs typeface="Times New Roman"/>
+              </a:rPr>
+              <a:t>Projects Mangement:</a:t>
+            </a:r>
+            <a:endParaRPr lang="en-US" sz="1600">
+              <a:latin typeface="Times New Roman"/>
+              <a:ea typeface="+mn-lt"/>
+              <a:cs typeface="Times New Roman"/>
+            </a:endParaRPr>
+          </a:p>
+          <a:p>
+            <a:pPr marL="285750" indent="-285750">
+              <a:lnSpc>
+                <a:spcPct val="150000"/>
+              </a:lnSpc>
+              <a:buFont typeface="Arial,Sans-Serif"/>
+              <a:buChar char="•"/>
+            </a:pPr>
+            <a:r>
+              <a:rPr lang="en-US" sz="1600">
+                <a:latin typeface="Times New Roman"/>
+                <a:ea typeface="+mn-lt"/>
+                <a:cs typeface="Times New Roman"/>
+              </a:rPr>
+              <a:t>Users can now update project details, ensuring that information remains accurate and up-to-date.</a:t>
+            </a:r>
+          </a:p>
+          <a:p>
+            <a:pPr marL="285750" indent="-285750">
+              <a:lnSpc>
+                <a:spcPct val="150000"/>
+              </a:lnSpc>
+              <a:buFont typeface="Arial,Sans-Serif"/>
+              <a:buChar char="•"/>
+            </a:pPr>
+            <a:r>
+              <a:rPr lang="en-US" sz="1600">
+                <a:latin typeface="Times New Roman"/>
+                <a:ea typeface="+mn-lt"/>
+                <a:cs typeface="Times New Roman"/>
+              </a:rPr>
+              <a:t>The ability to delete projects has been introduced, enabling better management and cleanup of outdated or redundant projects.</a:t>
+            </a:r>
+          </a:p>
+          <a:p>
+            <a:pPr marL="285750" indent="-285750">
+              <a:lnSpc>
+                <a:spcPct val="150000"/>
+              </a:lnSpc>
+              <a:buFont typeface="Arial,Sans-Serif"/>
+              <a:buChar char="•"/>
+            </a:pPr>
+            <a:r>
+              <a:rPr lang="en-US" sz="1600">
+                <a:latin typeface="Times New Roman"/>
+                <a:ea typeface="+mn-lt"/>
+                <a:cs typeface="Times New Roman"/>
+              </a:rPr>
+              <a:t>A user-friendly interface has been developed to simplify the process of creating new projects.</a:t>
+            </a:r>
+            <a:endParaRPr lang="en-US"/>
+          </a:p>
+          <a:p>
+            <a:pPr>
+              <a:lnSpc>
+                <a:spcPct val="150000"/>
+              </a:lnSpc>
+            </a:pPr>
+            <a:endParaRPr lang="en-US" sz="1600" b="1">
+              <a:latin typeface="Times New Roman"/>
+              <a:ea typeface="+mn-lt"/>
+              <a:cs typeface="Times New Roman"/>
+            </a:endParaRPr>
+          </a:p>
+          <a:p>
+            <a:pPr>
+              <a:lnSpc>
+                <a:spcPct val="150000"/>
+              </a:lnSpc>
+            </a:pPr>
+            <a:r>
+              <a:rPr lang="en-US" sz="1600" b="1">
+                <a:latin typeface="Times New Roman"/>
+                <a:ea typeface="+mn-lt"/>
+                <a:cs typeface="Times New Roman"/>
+              </a:rPr>
+              <a:t>Project Tasks Management:</a:t>
+            </a:r>
+            <a:endParaRPr lang="en-US"/>
+          </a:p>
+          <a:p>
+            <a:pPr marL="285750" indent="-285750">
+              <a:lnSpc>
+                <a:spcPct val="150000"/>
+              </a:lnSpc>
+              <a:buFont typeface="Arial"/>
+              <a:buChar char="•"/>
+            </a:pPr>
+            <a:r>
+              <a:rPr lang="en-US" sz="1600">
+                <a:latin typeface="Times New Roman"/>
+                <a:ea typeface="+mn-lt"/>
+                <a:cs typeface="Times New Roman"/>
+              </a:rPr>
+              <a:t>Users can now create and assign tasks to projects, enhancing task management and collaboration.</a:t>
+            </a:r>
+            <a:endParaRPr lang="en-US">
+              <a:latin typeface="Times New Roman"/>
+              <a:cs typeface="Times New Roman"/>
+            </a:endParaRPr>
+          </a:p>
+          <a:p>
+            <a:pPr marL="285750" indent="-285750">
+              <a:lnSpc>
+                <a:spcPct val="150000"/>
+              </a:lnSpc>
+              <a:buFont typeface="Arial"/>
+              <a:buChar char="•"/>
+            </a:pPr>
+            <a:r>
+              <a:rPr lang="en-US" sz="1600">
+                <a:latin typeface="Times New Roman"/>
+                <a:ea typeface="+mn-lt"/>
+                <a:cs typeface="+mn-lt"/>
+              </a:rPr>
+              <a:t>Users can now modify task statuses (e.g., "To Do," "In Progress," and "Done"), making task tracking more efficient.</a:t>
+            </a:r>
+            <a:endParaRPr lang="en-US" sz="1600">
+              <a:latin typeface="Times New Roman"/>
+              <a:cs typeface="Times New Roman"/>
+            </a:endParaRPr>
+          </a:p>
+          <a:p>
+            <a:pPr marL="285750" indent="-285750">
+              <a:lnSpc>
+                <a:spcPct val="150000"/>
+              </a:lnSpc>
+              <a:buFont typeface="Arial"/>
+              <a:buChar char="•"/>
+            </a:pPr>
+            <a:r>
+              <a:rPr lang="en-US" sz="1600">
+                <a:latin typeface="Times New Roman"/>
+                <a:ea typeface="+mn-lt"/>
+                <a:cs typeface="+mn-lt"/>
+              </a:rPr>
+              <a:t>Priority settings (Low, Medium, High) have been introduced to help users focus on high-priority tasks.</a:t>
+            </a:r>
+            <a:endParaRPr lang="en-US">
+              <a:latin typeface="Times New Roman"/>
+              <a:cs typeface="Times New Roman"/>
+            </a:endParaRPr>
+          </a:p>
+          <a:p>
+            <a:pPr lvl="1">
+              <a:lnSpc>
+                <a:spcPct val="150000"/>
+              </a:lnSpc>
+            </a:pPr>
+            <a:endParaRPr lang="en-US" sz="1600">
+              <a:latin typeface="Times New Roman" panose="02020603050405020304" pitchFamily="18" charset="0"/>
+              <a:cs typeface="Times New Roman" panose="02020603050405020304" pitchFamily="18" charset="0"/>
+            </a:endParaRPr>
+          </a:p>
+          <a:p>
+            <a:pPr>
+              <a:lnSpc>
+                <a:spcPct val="150000"/>
+              </a:lnSpc>
+            </a:pPr>
+            <a:endParaRPr lang="en-US" sz="1600" b="1">
+              <a:latin typeface="Times New Roman"/>
+              <a:cs typeface="Times New Roman"/>
+            </a:endParaRPr>
+          </a:p>
+        </p:txBody>
+      </p:sp>
+    </p:spTree>
+    <p:extLst>
+      <p:ext uri="{BB962C8B-B14F-4D97-AF65-F5344CB8AC3E}">
+        <p14:creationId xmlns:p14="http://schemas.microsoft.com/office/powerpoint/2010/main" val="3744311226"/>
+      </p:ext>
+    </p:extLst>
+  </p:cSld>
+  <p:clrMapOvr>
+    <a:masterClrMapping/>
+  </p:clrMapOvr>
+</p:sld>
+</file>
+
+<file path=ppt/slides/slide7.xml><?xml version="1.0" encoding="utf-8"?>
+<p:sld xmlns:a="http://schemas.openxmlformats.org/drawingml/2006/main" xmlns:r="http://schemas.openxmlformats.org/officeDocument/2006/relationships" xmlns:p="http://schemas.openxmlformats.org/presentationml/2006/main">
+  <p:cSld>
+    <p:spTree>
+      <p:nvGrpSpPr>
+        <p:cNvPr id="1" name="">
+          <a:extLst>
+            <a:ext uri="{FF2B5EF4-FFF2-40B4-BE49-F238E27FC236}">
+              <a16:creationId xmlns:a16="http://schemas.microsoft.com/office/drawing/2014/main" id="{7EA59361-C427-70EE-D095-6EA062DF5DD0}"/>
+            </a:ext>
+          </a:extLst>
+        </p:cNvPr>
+        <p:cNvGrpSpPr/>
+        <p:nvPr/>
+      </p:nvGrpSpPr>
+      <p:grpSpPr>
+        <a:xfrm>
+          <a:off x="0" y="0"/>
+          <a:ext cx="0" cy="0"/>
+          <a:chOff x="0" y="0"/>
+          <a:chExt cx="0" cy="0"/>
+        </a:xfrm>
+      </p:grpSpPr>
+      <p:sp>
+        <p:nvSpPr>
+          <p:cNvPr id="2" name="Title 1">
+            <a:extLst>
+              <a:ext uri="{FF2B5EF4-FFF2-40B4-BE49-F238E27FC236}">
+                <a16:creationId xmlns:a16="http://schemas.microsoft.com/office/drawing/2014/main" id="{C37BB7A6-F0E7-5088-64C0-21865AB54B91}"/>
+              </a:ext>
+            </a:extLst>
+          </p:cNvPr>
+          <p:cNvSpPr>
+            <a:spLocks noGrp="1"/>
+          </p:cNvSpPr>
+          <p:nvPr>
+            <p:ph type="title"/>
+          </p:nvPr>
+        </p:nvSpPr>
+        <p:spPr>
+          <a:xfrm>
+            <a:off x="691436" y="163233"/>
+            <a:ext cx="10449784" cy="1265928"/>
+          </a:xfrm>
+        </p:spPr>
+        <p:txBody>
+          <a:bodyPr anchor="ctr"/>
+          <a:lstStyle/>
+          <a:p>
+            <a:pPr algn="ctr"/>
+            <a:r>
+              <a:rPr lang="en-US" sz="3200">
+                <a:latin typeface="Times New Roman"/>
+                <a:cs typeface="Times New Roman"/>
+              </a:rPr>
+              <a:t>IMPLEMENTATION</a:t>
+            </a:r>
+            <a:r>
+              <a:rPr lang="en-US">
+                <a:latin typeface="Times New Roman"/>
+                <a:cs typeface="Times New Roman"/>
+              </a:rPr>
+              <a:t> (Contd.)</a:t>
+            </a:r>
+            <a:endParaRPr lang="en-US" sz="3200">
+              <a:latin typeface="Times New Roman"/>
+              <a:cs typeface="Times New Roman"/>
+            </a:endParaRPr>
+          </a:p>
+        </p:txBody>
+      </p:sp>
+      <p:sp>
+        <p:nvSpPr>
+          <p:cNvPr id="6" name="Slide Number Placeholder 5">
+            <a:extLst>
+              <a:ext uri="{FF2B5EF4-FFF2-40B4-BE49-F238E27FC236}">
+                <a16:creationId xmlns:a16="http://schemas.microsoft.com/office/drawing/2014/main" id="{9145E24C-4E18-AF93-1EA4-A7C03674565A}"/>
+              </a:ext>
+            </a:extLst>
+          </p:cNvPr>
+          <p:cNvSpPr>
+            <a:spLocks noGrp="1"/>
+          </p:cNvSpPr>
+          <p:nvPr>
+            <p:ph type="sldNum" sz="quarter" idx="12"/>
+          </p:nvPr>
+        </p:nvSpPr>
+        <p:spPr/>
+        <p:txBody>
+          <a:bodyPr/>
+          <a:lstStyle/>
+          <a:p>
+            <a:fld id="{C68AC1EC-23E2-4F0E-A5A4-674EC8DB954E}" type="slidenum">
+              <a:rPr lang="en-US" smtClean="0"/>
+              <a:t>7</a:t>
+            </a:fld>
+            <a:endParaRPr lang="en-US"/>
+          </a:p>
+        </p:txBody>
+      </p:sp>
+      <p:sp>
+        <p:nvSpPr>
+          <p:cNvPr id="5" name="TextBox 4">
+            <a:extLst>
+              <a:ext uri="{FF2B5EF4-FFF2-40B4-BE49-F238E27FC236}">
+                <a16:creationId xmlns:a16="http://schemas.microsoft.com/office/drawing/2014/main" id="{E551A1DA-FD58-883A-ABDD-136237FCAB33}"/>
+              </a:ext>
+            </a:extLst>
+          </p:cNvPr>
+          <p:cNvSpPr txBox="1"/>
+          <p:nvPr/>
+        </p:nvSpPr>
+        <p:spPr>
+          <a:xfrm>
+            <a:off x="688705" y="1427550"/>
+            <a:ext cx="10538459" cy="3002745"/>
+          </a:xfrm>
+          <a:prstGeom prst="rect">
+            <a:avLst/>
+          </a:prstGeom>
+          <a:noFill/>
+        </p:spPr>
+        <p:txBody>
+          <a:bodyPr wrap="square" lIns="91440" tIns="45720" rIns="91440" bIns="45720" anchor="t">
+            <a:spAutoFit/>
+          </a:bodyPr>
+          <a:lstStyle/>
+          <a:p>
+            <a:pPr>
+              <a:lnSpc>
+                <a:spcPct val="150000"/>
+              </a:lnSpc>
+            </a:pPr>
+            <a:endParaRPr lang="en-US" sz="1600" b="1">
+              <a:latin typeface="Times New Roman" panose="02020603050405020304" pitchFamily="18" charset="0"/>
+              <a:cs typeface="Times New Roman" panose="02020603050405020304" pitchFamily="18" charset="0"/>
+            </a:endParaRPr>
+          </a:p>
+          <a:p>
+            <a:pPr marL="285750" indent="-285750">
+              <a:lnSpc>
+                <a:spcPct val="150000"/>
+              </a:lnSpc>
+              <a:buFont typeface="Arial"/>
+              <a:buChar char="•"/>
+            </a:pPr>
+            <a:r>
+              <a:rPr lang="en-US" sz="1600">
+                <a:latin typeface="Times New Roman"/>
+                <a:ea typeface="+mn-lt"/>
+                <a:cs typeface="Times New Roman"/>
+              </a:rPr>
+              <a:t>The application was containerized using Docker to ensure consistent performance across environments and streamline the deployment process.</a:t>
+            </a:r>
+          </a:p>
+          <a:p>
+            <a:pPr marL="285750" indent="-285750">
+              <a:lnSpc>
+                <a:spcPct val="150000"/>
+              </a:lnSpc>
+              <a:buFont typeface="Arial"/>
+              <a:buChar char="•"/>
+            </a:pPr>
+            <a:r>
+              <a:rPr lang="en-US" sz="1600">
+                <a:latin typeface="Times New Roman"/>
+                <a:ea typeface="+mn-lt"/>
+                <a:cs typeface="Times New Roman"/>
+              </a:rPr>
+              <a:t>A welcoming landing page was designed to provide a better user experience.</a:t>
+            </a:r>
+          </a:p>
+          <a:p>
+            <a:pPr marL="285750" indent="-285750">
+              <a:lnSpc>
+                <a:spcPct val="150000"/>
+              </a:lnSpc>
+              <a:buFont typeface="Arial"/>
+              <a:buChar char="•"/>
+            </a:pPr>
+            <a:r>
+              <a:rPr lang="en-US" sz="1600">
+                <a:latin typeface="Times New Roman"/>
+                <a:ea typeface="+mn-lt"/>
+                <a:cs typeface="Times New Roman"/>
+              </a:rPr>
+              <a:t>An ETL pipeline was developed to automate the process of loading data into MySQL and dynamically updating it on the user interface.</a:t>
+            </a:r>
+          </a:p>
+          <a:p>
+            <a:pPr>
+              <a:lnSpc>
+                <a:spcPct val="150000"/>
+              </a:lnSpc>
+            </a:pPr>
+            <a:endParaRPr lang="en-US" sz="1600">
+              <a:latin typeface="Times New Roman"/>
+              <a:cs typeface="Times New Roman"/>
+            </a:endParaRPr>
+          </a:p>
+          <a:p>
+            <a:pPr>
+              <a:lnSpc>
+                <a:spcPct val="150000"/>
+              </a:lnSpc>
+              <a:buFont typeface="+mj-lt"/>
+              <a:buAutoNum type="arabicPeriod" startAt="11"/>
+            </a:pPr>
+            <a:endParaRPr lang="en-US" sz="1600">
+              <a:latin typeface="Times New Roman"/>
+              <a:cs typeface="Times New Roman"/>
+            </a:endParaRPr>
+          </a:p>
+        </p:txBody>
+      </p:sp>
+    </p:spTree>
+    <p:extLst>
+      <p:ext uri="{BB962C8B-B14F-4D97-AF65-F5344CB8AC3E}">
+        <p14:creationId xmlns:p14="http://schemas.microsoft.com/office/powerpoint/2010/main" val="1169917090"/>
+      </p:ext>
+    </p:extLst>
+  </p:cSld>
+  <p:clrMapOvr>
+    <a:masterClrMapping/>
+  </p:clrMapOvr>
+</p:sld>
+</file>
+
+<file path=ppt/slides/slide8.xml><?xml version="1.0" encoding="utf-8"?>
+<p:sld xmlns:a="http://schemas.openxmlformats.org/drawingml/2006/main" xmlns:r="http://schemas.openxmlformats.org/officeDocument/2006/relationships" xmlns:p="http://schemas.openxmlformats.org/presentationml/2006/main">
+  <p:cSld>
+    <p:spTree>
+      <p:nvGrpSpPr>
+        <p:cNvPr id="1" name="">
+          <a:extLst>
+            <a:ext uri="{FF2B5EF4-FFF2-40B4-BE49-F238E27FC236}">
+              <a16:creationId xmlns:a16="http://schemas.microsoft.com/office/drawing/2014/main" id="{B9AFC898-FAB6-0760-79C8-52C0314AC93F}"/>
+            </a:ext>
+          </a:extLst>
+        </p:cNvPr>
+        <p:cNvGrpSpPr/>
+        <p:nvPr/>
+      </p:nvGrpSpPr>
+      <p:grpSpPr>
+        <a:xfrm>
+          <a:off x="0" y="0"/>
+          <a:ext cx="0" cy="0"/>
+          <a:chOff x="0" y="0"/>
+          <a:chExt cx="0" cy="0"/>
+        </a:xfrm>
+      </p:grpSpPr>
+      <p:sp>
+        <p:nvSpPr>
+          <p:cNvPr id="2" name="Title 1">
+            <a:extLst>
+              <a:ext uri="{FF2B5EF4-FFF2-40B4-BE49-F238E27FC236}">
+                <a16:creationId xmlns:a16="http://schemas.microsoft.com/office/drawing/2014/main" id="{8FDB38ED-A1B9-129D-E2D0-BB75D3639CF5}"/>
+              </a:ext>
+            </a:extLst>
+          </p:cNvPr>
+          <p:cNvSpPr>
+            <a:spLocks noGrp="1"/>
+          </p:cNvSpPr>
+          <p:nvPr>
+            <p:ph type="title"/>
+          </p:nvPr>
+        </p:nvSpPr>
+        <p:spPr>
+          <a:xfrm>
+            <a:off x="877824" y="163233"/>
+            <a:ext cx="10449784" cy="1265928"/>
+          </a:xfrm>
+        </p:spPr>
+        <p:txBody>
+          <a:bodyPr anchor="ctr"/>
+          <a:lstStyle/>
+          <a:p>
+            <a:pPr algn="ctr">
+              <a:lnSpc>
+                <a:spcPct val="100000"/>
+              </a:lnSpc>
+            </a:pPr>
+            <a:r>
+              <a:rPr lang="en-US" sz="3200">
+                <a:latin typeface="Times New Roman"/>
+                <a:cs typeface="Times New Roman"/>
+              </a:rPr>
+              <a:t>IMPLEMENTATION</a:t>
+            </a:r>
+          </a:p>
+        </p:txBody>
+      </p:sp>
+      <p:sp>
+        <p:nvSpPr>
+          <p:cNvPr id="3" name="Content Placeholder 2">
+            <a:extLst>
+              <a:ext uri="{FF2B5EF4-FFF2-40B4-BE49-F238E27FC236}">
+                <a16:creationId xmlns:a16="http://schemas.microsoft.com/office/drawing/2014/main" id="{B956EA91-4E05-C61A-6127-6E75FD8036B3}"/>
+              </a:ext>
+            </a:extLst>
+          </p:cNvPr>
+          <p:cNvSpPr>
+            <a:spLocks noGrp="1"/>
+          </p:cNvSpPr>
+          <p:nvPr>
+            <p:ph idx="1"/>
+          </p:nvPr>
+        </p:nvSpPr>
+        <p:spPr>
+          <a:xfrm>
+            <a:off x="877824" y="1429162"/>
+            <a:ext cx="10442448" cy="4632642"/>
+          </a:xfrm>
+        </p:spPr>
+        <p:txBody>
+          <a:bodyPr vert="horz" lIns="91440" tIns="45720" rIns="91440" bIns="45720" rtlCol="0" anchor="t">
+            <a:normAutofit/>
+          </a:bodyPr>
+          <a:lstStyle/>
+          <a:p>
+            <a:pPr marL="0" indent="0">
+              <a:buNone/>
+            </a:pPr>
+            <a:r>
+              <a:rPr lang="en-US">
+                <a:latin typeface="Times New Roman"/>
+                <a:cs typeface="Times New Roman"/>
+              </a:rPr>
+              <a:t>FEATURES NOT </a:t>
+            </a:r>
+            <a:r>
+              <a:rPr lang="en-US">
+                <a:solidFill>
+                  <a:srgbClr val="000000"/>
+                </a:solidFill>
+                <a:effectLst/>
+                <a:latin typeface="Times New Roman"/>
+                <a:cs typeface="Times New Roman"/>
+              </a:rPr>
+              <a:t>IMPLEMENTED FROM REQUIREMENTS DOCUMENT</a:t>
+            </a:r>
+            <a:endParaRPr lang="en-US">
+              <a:latin typeface="Times New Roman"/>
+              <a:cs typeface="Times New Roman"/>
+            </a:endParaRPr>
+          </a:p>
+        </p:txBody>
+      </p:sp>
+      <p:sp>
+        <p:nvSpPr>
+          <p:cNvPr id="6" name="Slide Number Placeholder 5">
+            <a:extLst>
+              <a:ext uri="{FF2B5EF4-FFF2-40B4-BE49-F238E27FC236}">
+                <a16:creationId xmlns:a16="http://schemas.microsoft.com/office/drawing/2014/main" id="{840AB36D-C600-B3EC-2AA2-18735114F492}"/>
+              </a:ext>
+            </a:extLst>
+          </p:cNvPr>
+          <p:cNvSpPr>
+            <a:spLocks noGrp="1"/>
+          </p:cNvSpPr>
+          <p:nvPr>
+            <p:ph type="sldNum" sz="quarter" idx="12"/>
+          </p:nvPr>
+        </p:nvSpPr>
+        <p:spPr/>
+        <p:txBody>
+          <a:bodyPr/>
+          <a:lstStyle/>
+          <a:p>
+            <a:fld id="{C68AC1EC-23E2-4F0E-A5A4-674EC8DB954E}" type="slidenum">
+              <a:rPr lang="en-US" smtClean="0"/>
+              <a:t>8</a:t>
+            </a:fld>
+            <a:endParaRPr lang="en-US"/>
+          </a:p>
+        </p:txBody>
+      </p:sp>
+      <p:sp>
+        <p:nvSpPr>
+          <p:cNvPr id="5" name="TextBox 4">
+            <a:extLst>
+              <a:ext uri="{FF2B5EF4-FFF2-40B4-BE49-F238E27FC236}">
+                <a16:creationId xmlns:a16="http://schemas.microsoft.com/office/drawing/2014/main" id="{219061C0-5BD9-8A8A-D32D-1EF8E07CB7E2}"/>
+              </a:ext>
+            </a:extLst>
+          </p:cNvPr>
+          <p:cNvSpPr txBox="1"/>
+          <p:nvPr/>
+        </p:nvSpPr>
+        <p:spPr>
+          <a:xfrm>
+            <a:off x="877824" y="2126963"/>
+            <a:ext cx="10449784" cy="3504998"/>
+          </a:xfrm>
+          <a:prstGeom prst="rect">
+            <a:avLst/>
+          </a:prstGeom>
+          <a:noFill/>
+        </p:spPr>
+        <p:txBody>
+          <a:bodyPr wrap="square" lIns="91440" tIns="45720" rIns="91440" bIns="45720" anchor="t">
+            <a:spAutoFit/>
+          </a:bodyPr>
+          <a:lstStyle/>
+          <a:p>
+            <a:pPr marL="342900" indent="-342900">
+              <a:buAutoNum type="arabicPeriod"/>
+            </a:pPr>
+            <a:r>
+              <a:rPr lang="en-US" b="1">
+                <a:latin typeface="Times New Roman" panose="02020603050405020304" pitchFamily="18" charset="0"/>
+                <a:cs typeface="Times New Roman" panose="02020603050405020304" pitchFamily="18" charset="0"/>
+              </a:rPr>
+              <a:t>Advanced Role Management Features</a:t>
+            </a:r>
+            <a:r>
+              <a:rPr lang="en-US">
+                <a:latin typeface="Times New Roman" panose="02020603050405020304" pitchFamily="18" charset="0"/>
+                <a:cs typeface="Times New Roman" panose="02020603050405020304" pitchFamily="18" charset="0"/>
+              </a:rPr>
+              <a:t>: While basic role management was implemented, advanced capabilities (e.g., hierarchical role permissions) were deferred due to time constraints and lower immediate priority compared to infrastructure tasks.</a:t>
+            </a:r>
+          </a:p>
+          <a:p>
+            <a:pPr marL="342900" indent="-342900">
+              <a:buAutoNum type="arabicPeriod"/>
+            </a:pPr>
+            <a:endParaRPr lang="en-US">
+              <a:latin typeface="Times New Roman" panose="02020603050405020304" pitchFamily="18" charset="0"/>
+              <a:cs typeface="Times New Roman" panose="02020603050405020304" pitchFamily="18" charset="0"/>
+            </a:endParaRPr>
+          </a:p>
+          <a:p>
+            <a:pPr marL="342900" indent="-342900">
+              <a:buAutoNum type="arabicPeriod"/>
+            </a:pPr>
+            <a:r>
+              <a:rPr lang="en-US" b="1">
+                <a:latin typeface="Times New Roman" panose="02020603050405020304" pitchFamily="18" charset="0"/>
+                <a:cs typeface="Times New Roman" panose="02020603050405020304" pitchFamily="18" charset="0"/>
+              </a:rPr>
+              <a:t>Detailed User Analytics Dashboard</a:t>
+            </a:r>
+            <a:r>
+              <a:rPr lang="en-US">
+                <a:latin typeface="Times New Roman" panose="02020603050405020304" pitchFamily="18" charset="0"/>
+                <a:cs typeface="Times New Roman" panose="02020603050405020304" pitchFamily="18" charset="0"/>
+              </a:rPr>
+              <a:t>: A high-level project manager dashboard was created, but more granular user activity analytics were not implemented. This was postponed to focus on core functionality such as task and project management.</a:t>
+            </a:r>
+          </a:p>
+          <a:p>
+            <a:pPr marL="342900" indent="-342900">
+              <a:buAutoNum type="arabicPeriod"/>
+            </a:pPr>
+            <a:endParaRPr lang="en-US">
+              <a:latin typeface="Times New Roman" panose="02020603050405020304" pitchFamily="18" charset="0"/>
+              <a:cs typeface="Times New Roman" panose="02020603050405020304" pitchFamily="18" charset="0"/>
+            </a:endParaRPr>
+          </a:p>
+          <a:p>
+            <a:pPr marL="342900" indent="-342900">
+              <a:lnSpc>
+                <a:spcPct val="150000"/>
+              </a:lnSpc>
+              <a:buAutoNum type="arabicPeriod"/>
+            </a:pPr>
+            <a:r>
+              <a:rPr lang="en-US" b="1">
+                <a:latin typeface="Times New Roman"/>
+                <a:cs typeface="Times New Roman"/>
+              </a:rPr>
+              <a:t>Redis Data Caching - </a:t>
+            </a:r>
+            <a:r>
+              <a:rPr lang="en-US">
+                <a:latin typeface="Times New Roman"/>
+                <a:cs typeface="Times New Roman"/>
+              </a:rPr>
+              <a:t>Redis integration was not originally planned but was added to address performance issues identified during testing. This ensures quicker response times for frequently accessed data, improving the user experience.</a:t>
+            </a:r>
+          </a:p>
+        </p:txBody>
+      </p:sp>
+    </p:spTree>
+    <p:extLst>
+      <p:ext uri="{BB962C8B-B14F-4D97-AF65-F5344CB8AC3E}">
+        <p14:creationId xmlns:p14="http://schemas.microsoft.com/office/powerpoint/2010/main" val="2207682190"/>
+      </p:ext>
+    </p:extLst>
+  </p:cSld>
+  <p:clrMapOvr>
+    <a:masterClrMapping/>
+  </p:clrMapOvr>
+</p:sld>
+</file>
+
+<file path=ppt/slides/slide9.xml><?xml version="1.0" encoding="utf-8"?>
+<p:sld xmlns:a="http://schemas.openxmlformats.org/drawingml/2006/main" xmlns:r="http://schemas.openxmlformats.org/officeDocument/2006/relationships" xmlns:p="http://schemas.openxmlformats.org/presentationml/2006/main">
+  <p:cSld>
+    <p:spTree>
+      <p:nvGrpSpPr>
+        <p:cNvPr id="1" name="">
+          <a:extLst>
+            <a:ext uri="{FF2B5EF4-FFF2-40B4-BE49-F238E27FC236}">
+              <a16:creationId xmlns:a16="http://schemas.microsoft.com/office/drawing/2014/main" id="{C56D8FF9-235D-63A6-F981-81F955D31E05}"/>
+            </a:ext>
+          </a:extLst>
+        </p:cNvPr>
+        <p:cNvGrpSpPr/>
+        <p:nvPr/>
+      </p:nvGrpSpPr>
+      <p:grpSpPr>
+        <a:xfrm>
+          <a:off x="0" y="0"/>
+          <a:ext cx="0" cy="0"/>
+          <a:chOff x="0" y="0"/>
+          <a:chExt cx="0" cy="0"/>
+        </a:xfrm>
+      </p:grpSpPr>
+      <p:sp>
+        <p:nvSpPr>
+          <p:cNvPr id="2" name="Title 1">
+            <a:extLst>
+              <a:ext uri="{FF2B5EF4-FFF2-40B4-BE49-F238E27FC236}">
+                <a16:creationId xmlns:a16="http://schemas.microsoft.com/office/drawing/2014/main" id="{7A9E3828-BA1C-FCB3-C86E-BEE7ADC31EAC}"/>
+              </a:ext>
+            </a:extLst>
+          </p:cNvPr>
+          <p:cNvSpPr>
+            <a:spLocks noGrp="1"/>
+          </p:cNvSpPr>
+          <p:nvPr>
+            <p:ph type="title"/>
+          </p:nvPr>
+        </p:nvSpPr>
+        <p:spPr>
+          <a:xfrm>
+            <a:off x="877824" y="163233"/>
+            <a:ext cx="10449784" cy="1265928"/>
+          </a:xfrm>
+        </p:spPr>
+        <p:txBody>
+          <a:bodyPr anchor="ctr"/>
+          <a:lstStyle/>
+          <a:p>
+            <a:pPr algn="ctr">
+              <a:lnSpc>
+                <a:spcPct val="100000"/>
+              </a:lnSpc>
+            </a:pPr>
+            <a:r>
+              <a:rPr lang="en-US" sz="3200">
+                <a:latin typeface="Times New Roman"/>
+                <a:cs typeface="Times New Roman"/>
+              </a:rPr>
+              <a:t>IMPLEMENTATION</a:t>
+            </a:r>
+          </a:p>
+        </p:txBody>
+      </p:sp>
+      <p:sp>
+        <p:nvSpPr>
+          <p:cNvPr id="3" name="Content Placeholder 2">
+            <a:extLst>
+              <a:ext uri="{FF2B5EF4-FFF2-40B4-BE49-F238E27FC236}">
+                <a16:creationId xmlns:a16="http://schemas.microsoft.com/office/drawing/2014/main" id="{BBC2B46D-4860-9A1B-4FEB-37D51BBD0D2A}"/>
+              </a:ext>
+            </a:extLst>
+          </p:cNvPr>
+          <p:cNvSpPr>
+            <a:spLocks noGrp="1"/>
+          </p:cNvSpPr>
+          <p:nvPr>
+            <p:ph idx="1"/>
+          </p:nvPr>
+        </p:nvSpPr>
+        <p:spPr>
+          <a:xfrm>
+            <a:off x="877824" y="1429162"/>
+            <a:ext cx="10442448" cy="4632642"/>
+          </a:xfrm>
+        </p:spPr>
+        <p:txBody>
+          <a:bodyPr vert="horz" lIns="91440" tIns="45720" rIns="91440" bIns="45720" rtlCol="0" anchor="t">
+            <a:normAutofit/>
+          </a:bodyPr>
+          <a:lstStyle/>
+          <a:p>
+            <a:pPr marL="0" indent="0">
+              <a:buNone/>
+            </a:pPr>
+            <a:r>
+              <a:rPr lang="en-US">
+                <a:solidFill>
+                  <a:srgbClr val="000000"/>
+                </a:solidFill>
+                <a:latin typeface="Times New Roman"/>
+                <a:cs typeface="Times New Roman"/>
+              </a:rPr>
+              <a:t>NEW</a:t>
+            </a:r>
+            <a:r>
+              <a:rPr lang="en-US">
+                <a:solidFill>
+                  <a:srgbClr val="000000"/>
+                </a:solidFill>
+                <a:effectLst/>
+                <a:latin typeface="Times New Roman"/>
+                <a:cs typeface="Times New Roman"/>
+              </a:rPr>
+              <a:t> ADDITIONS</a:t>
+            </a:r>
+          </a:p>
+          <a:p>
+            <a:pPr marL="0" indent="0">
+              <a:buNone/>
+            </a:pPr>
+            <a:endParaRPr lang="en-US">
+              <a:latin typeface="Times New Roman" panose="02020603050405020304" pitchFamily="18" charset="0"/>
+              <a:cs typeface="Times New Roman" panose="02020603050405020304" pitchFamily="18" charset="0"/>
+            </a:endParaRPr>
+          </a:p>
+        </p:txBody>
+      </p:sp>
+      <p:sp>
+        <p:nvSpPr>
+          <p:cNvPr id="6" name="Slide Number Placeholder 5">
+            <a:extLst>
+              <a:ext uri="{FF2B5EF4-FFF2-40B4-BE49-F238E27FC236}">
+                <a16:creationId xmlns:a16="http://schemas.microsoft.com/office/drawing/2014/main" id="{260A922F-596E-9458-9250-A8287E5D27E5}"/>
+              </a:ext>
+            </a:extLst>
+          </p:cNvPr>
+          <p:cNvSpPr>
+            <a:spLocks noGrp="1"/>
+          </p:cNvSpPr>
+          <p:nvPr>
+            <p:ph type="sldNum" sz="quarter" idx="12"/>
+          </p:nvPr>
+        </p:nvSpPr>
+        <p:spPr/>
+        <p:txBody>
+          <a:bodyPr/>
+          <a:lstStyle/>
+          <a:p>
+            <a:fld id="{C68AC1EC-23E2-4F0E-A5A4-674EC8DB954E}" type="slidenum">
+              <a:rPr lang="en-US" smtClean="0"/>
+              <a:t>9</a:t>
+            </a:fld>
+            <a:endParaRPr lang="en-US"/>
+          </a:p>
+        </p:txBody>
+      </p:sp>
+      <p:sp>
+        <p:nvSpPr>
+          <p:cNvPr id="5" name="TextBox 4">
+            <a:extLst>
+              <a:ext uri="{FF2B5EF4-FFF2-40B4-BE49-F238E27FC236}">
+                <a16:creationId xmlns:a16="http://schemas.microsoft.com/office/drawing/2014/main" id="{E7D09D43-88D5-4587-0E53-8A827BAA0381}"/>
+              </a:ext>
+            </a:extLst>
+          </p:cNvPr>
+          <p:cNvSpPr txBox="1"/>
+          <p:nvPr/>
+        </p:nvSpPr>
+        <p:spPr>
+          <a:xfrm>
+            <a:off x="877824" y="1577278"/>
+            <a:ext cx="10436352" cy="2951064"/>
+          </a:xfrm>
+          <a:prstGeom prst="rect">
+            <a:avLst/>
+          </a:prstGeom>
+          <a:noFill/>
+        </p:spPr>
+        <p:txBody>
+          <a:bodyPr wrap="square" lIns="91440" tIns="45720" rIns="91440" bIns="45720" anchor="t">
+            <a:spAutoFit/>
+          </a:bodyPr>
+          <a:lstStyle/>
+          <a:p>
+            <a:pPr>
+              <a:lnSpc>
+                <a:spcPct val="150000"/>
+              </a:lnSpc>
+            </a:pPr>
+            <a:endParaRPr lang="en-US">
+              <a:latin typeface="Times New Roman" panose="02020603050405020304" pitchFamily="18" charset="0"/>
+              <a:cs typeface="Times New Roman" panose="02020603050405020304" pitchFamily="18" charset="0"/>
+            </a:endParaRPr>
+          </a:p>
+          <a:p>
+            <a:pPr>
+              <a:lnSpc>
+                <a:spcPct val="150000"/>
+              </a:lnSpc>
+              <a:buFont typeface="+mj-lt"/>
+              <a:buAutoNum type="arabicPeriod"/>
+            </a:pPr>
+            <a:r>
+              <a:rPr lang="en-US" b="1">
+                <a:latin typeface="Times New Roman" panose="02020603050405020304" pitchFamily="18" charset="0"/>
+                <a:cs typeface="Times New Roman" panose="02020603050405020304" pitchFamily="18" charset="0"/>
+              </a:rPr>
+              <a:t> ETL Pipeline : </a:t>
+            </a:r>
+            <a:endParaRPr lang="en-US">
+              <a:latin typeface="Times New Roman" panose="02020603050405020304" pitchFamily="18" charset="0"/>
+              <a:cs typeface="Times New Roman" panose="02020603050405020304" pitchFamily="18" charset="0"/>
+            </a:endParaRPr>
+          </a:p>
+          <a:p>
+            <a:pPr marL="742950" lvl="1" indent="-285750">
+              <a:lnSpc>
+                <a:spcPct val="150000"/>
+              </a:lnSpc>
+              <a:buFont typeface="Arial" panose="020B0604020202020204" pitchFamily="34" charset="0"/>
+              <a:buChar char="•"/>
+            </a:pPr>
+            <a:r>
+              <a:rPr lang="en-US">
+                <a:latin typeface="Times New Roman" panose="02020603050405020304" pitchFamily="18" charset="0"/>
+                <a:cs typeface="Times New Roman" panose="02020603050405020304" pitchFamily="18" charset="0"/>
+              </a:rPr>
+              <a:t>Although initially planned as a future enhancement, it was expedited to support efficient data processing for reporting needs.</a:t>
+            </a:r>
+          </a:p>
+          <a:p>
+            <a:pPr>
+              <a:lnSpc>
+                <a:spcPct val="150000"/>
+              </a:lnSpc>
+              <a:buFont typeface="+mj-lt"/>
+              <a:buAutoNum type="arabicPeriod"/>
+            </a:pPr>
+            <a:r>
+              <a:rPr lang="en-US" b="1">
+                <a:latin typeface="Times New Roman" panose="02020603050405020304" pitchFamily="18" charset="0"/>
+                <a:cs typeface="Times New Roman" panose="02020603050405020304" pitchFamily="18" charset="0"/>
+              </a:rPr>
+              <a:t> </a:t>
+            </a:r>
+            <a:r>
+              <a:rPr lang="en-US" b="1" err="1">
+                <a:latin typeface="Times New Roman" panose="02020603050405020304" pitchFamily="18" charset="0"/>
+                <a:cs typeface="Times New Roman" panose="02020603050405020304" pitchFamily="18" charset="0"/>
+              </a:rPr>
+              <a:t>Dockerization</a:t>
+            </a:r>
+            <a:r>
+              <a:rPr lang="en-US" b="1">
+                <a:latin typeface="Times New Roman" panose="02020603050405020304" pitchFamily="18" charset="0"/>
+                <a:cs typeface="Times New Roman" panose="02020603050405020304" pitchFamily="18" charset="0"/>
+              </a:rPr>
+              <a:t> : </a:t>
+            </a:r>
+            <a:endParaRPr lang="en-US">
+              <a:latin typeface="Times New Roman" panose="02020603050405020304" pitchFamily="18" charset="0"/>
+              <a:cs typeface="Times New Roman" panose="02020603050405020304" pitchFamily="18" charset="0"/>
+            </a:endParaRPr>
+          </a:p>
+          <a:p>
+            <a:pPr marL="742950" lvl="1" indent="-285750">
+              <a:lnSpc>
+                <a:spcPct val="150000"/>
+              </a:lnSpc>
+              <a:buFont typeface="Arial" panose="020B0604020202020204" pitchFamily="34" charset="0"/>
+              <a:buChar char="•"/>
+            </a:pPr>
+            <a:r>
+              <a:rPr lang="en-US">
+                <a:latin typeface="Times New Roman" panose="02020603050405020304" pitchFamily="18" charset="0"/>
+                <a:cs typeface="Times New Roman" panose="02020603050405020304" pitchFamily="18" charset="0"/>
+              </a:rPr>
+              <a:t>This was added to streamline the deployment process and enable easier environment replication, ensuring consistency across development, testing, and production.</a:t>
+            </a:r>
+          </a:p>
+        </p:txBody>
+      </p:sp>
+    </p:spTree>
+    <p:extLst>
+      <p:ext uri="{BB962C8B-B14F-4D97-AF65-F5344CB8AC3E}">
+        <p14:creationId xmlns:p14="http://schemas.microsoft.com/office/powerpoint/2010/main" val="2061753417"/>
       </p:ext>
     </p:extLst>
   </p:cSld>
